--- a/database/6강 SQL Select Union.pptx
+++ b/database/6강 SQL Select Union.pptx
@@ -14,19 +14,21 @@
     <p:sldId id="409" r:id="rId8"/>
     <p:sldId id="412" r:id="rId9"/>
     <p:sldId id="414" r:id="rId10"/>
-    <p:sldId id="413" r:id="rId11"/>
-    <p:sldId id="415" r:id="rId12"/>
-    <p:sldId id="410" r:id="rId13"/>
-    <p:sldId id="411" r:id="rId14"/>
-    <p:sldId id="420" r:id="rId15"/>
-    <p:sldId id="421" r:id="rId16"/>
-    <p:sldId id="422" r:id="rId17"/>
-    <p:sldId id="416" r:id="rId18"/>
-    <p:sldId id="417" r:id="rId19"/>
-    <p:sldId id="418" r:id="rId20"/>
-    <p:sldId id="419" r:id="rId21"/>
-    <p:sldId id="423" r:id="rId22"/>
-    <p:sldId id="424" r:id="rId23"/>
+    <p:sldId id="425" r:id="rId11"/>
+    <p:sldId id="426" r:id="rId12"/>
+    <p:sldId id="413" r:id="rId13"/>
+    <p:sldId id="415" r:id="rId14"/>
+    <p:sldId id="410" r:id="rId15"/>
+    <p:sldId id="411" r:id="rId16"/>
+    <p:sldId id="420" r:id="rId17"/>
+    <p:sldId id="421" r:id="rId18"/>
+    <p:sldId id="422" r:id="rId19"/>
+    <p:sldId id="416" r:id="rId20"/>
+    <p:sldId id="417" r:id="rId21"/>
+    <p:sldId id="418" r:id="rId22"/>
+    <p:sldId id="419" r:id="rId23"/>
+    <p:sldId id="423" r:id="rId24"/>
+    <p:sldId id="424" r:id="rId25"/>
   </p:sldIdLst>
   <p:sldSz cx="12192000" cy="6858000"/>
   <p:notesSz cx="6858000" cy="9144000"/>
@@ -142,6 +144,8 @@
             <p14:sldId id="409"/>
             <p14:sldId id="412"/>
             <p14:sldId id="414"/>
+            <p14:sldId id="425"/>
+            <p14:sldId id="426"/>
             <p14:sldId id="413"/>
             <p14:sldId id="415"/>
             <p14:sldId id="410"/>
@@ -331,7 +335,7 @@
                 </a:solidFill>
               </a:rPr>
               <a:pPr/>
-              <a:t>2022-06-02</a:t>
+              <a:t>2022-06-08</a:t>
             </a:fld>
             <a:endParaRPr lang="ko-KR" altLang="en-US">
               <a:solidFill>
@@ -561,7 +565,7 @@
                 </a:solidFill>
               </a:rPr>
               <a:pPr/>
-              <a:t>2022-06-02</a:t>
+              <a:t>2022-06-08</a:t>
             </a:fld>
             <a:endParaRPr lang="ko-KR" altLang="en-US">
               <a:solidFill>
@@ -801,7 +805,7 @@
                 </a:solidFill>
               </a:rPr>
               <a:pPr/>
-              <a:t>2022-06-02</a:t>
+              <a:t>2022-06-08</a:t>
             </a:fld>
             <a:endParaRPr lang="ko-KR" altLang="en-US">
               <a:solidFill>
@@ -1033,7 +1037,7 @@
                 <a:latin typeface="맑은 고딕" charset="0"/>
                 <a:ea typeface="맑은 고딕" charset="0"/>
               </a:rPr>
-              <a:t>2022-06-02</a:t>
+              <a:t>2022-06-08</a:t>
             </a:fld>
             <a:endParaRPr lang="ko-KR" altLang="en-US">
               <a:solidFill>
@@ -1312,7 +1316,7 @@
                 <a:latin typeface="맑은 고딕" charset="0"/>
                 <a:ea typeface="맑은 고딕" charset="0"/>
               </a:rPr>
-              <a:t>2022-06-02</a:t>
+              <a:t>2022-06-08</a:t>
             </a:fld>
             <a:endParaRPr lang="ko-KR" altLang="en-US">
               <a:solidFill>
@@ -1554,7 +1558,7 @@
                 <a:latin typeface="맑은 고딕" charset="0"/>
                 <a:ea typeface="맑은 고딕" charset="0"/>
               </a:rPr>
-              <a:t>2022-06-02</a:t>
+              <a:t>2022-06-08</a:t>
             </a:fld>
             <a:endParaRPr lang="ko-KR" altLang="en-US">
               <a:solidFill>
@@ -1909,7 +1913,7 @@
                 <a:latin typeface="맑은 고딕" charset="0"/>
                 <a:ea typeface="맑은 고딕" charset="0"/>
               </a:rPr>
-              <a:t>2022-06-02</a:t>
+              <a:t>2022-06-08</a:t>
             </a:fld>
             <a:endParaRPr lang="ko-KR" altLang="en-US">
               <a:solidFill>
@@ -2342,7 +2346,7 @@
                 <a:latin typeface="맑은 고딕" charset="0"/>
                 <a:ea typeface="맑은 고딕" charset="0"/>
               </a:rPr>
-              <a:t>2022-06-02</a:t>
+              <a:t>2022-06-08</a:t>
             </a:fld>
             <a:endParaRPr lang="ko-KR" altLang="en-US">
               <a:solidFill>
@@ -2545,7 +2549,7 @@
                 <a:latin typeface="맑은 고딕" charset="0"/>
                 <a:ea typeface="맑은 고딕" charset="0"/>
               </a:rPr>
-              <a:t>2022-06-02</a:t>
+              <a:t>2022-06-08</a:t>
             </a:fld>
             <a:endParaRPr lang="ko-KR" altLang="en-US">
               <a:solidFill>
@@ -2709,7 +2713,7 @@
                 <a:latin typeface="맑은 고딕" charset="0"/>
                 <a:ea typeface="맑은 고딕" charset="0"/>
               </a:rPr>
-              <a:t>2022-06-02</a:t>
+              <a:t>2022-06-08</a:t>
             </a:fld>
             <a:endParaRPr lang="ko-KR" altLang="en-US">
               <a:solidFill>
@@ -3027,7 +3031,7 @@
                 <a:latin typeface="맑은 고딕" charset="0"/>
                 <a:ea typeface="맑은 고딕" charset="0"/>
               </a:rPr>
-              <a:t>2022-06-02</a:t>
+              <a:t>2022-06-08</a:t>
             </a:fld>
             <a:endParaRPr lang="ko-KR" altLang="en-US">
               <a:solidFill>
@@ -3267,7 +3271,7 @@
                 </a:solidFill>
               </a:rPr>
               <a:pPr/>
-              <a:t>2022-06-02</a:t>
+              <a:t>2022-06-08</a:t>
             </a:fld>
             <a:endParaRPr lang="ko-KR" altLang="en-US">
               <a:solidFill>
@@ -3519,7 +3523,7 @@
                 <a:latin typeface="맑은 고딕" charset="0"/>
                 <a:ea typeface="맑은 고딕" charset="0"/>
               </a:rPr>
-              <a:t>2022-06-02</a:t>
+              <a:t>2022-06-08</a:t>
             </a:fld>
             <a:endParaRPr lang="ko-KR" altLang="en-US">
               <a:solidFill>
@@ -3798,7 +3802,7 @@
                 <a:latin typeface="맑은 고딕" charset="0"/>
                 <a:ea typeface="맑은 고딕" charset="0"/>
               </a:rPr>
-              <a:t>2022-06-02</a:t>
+              <a:t>2022-06-08</a:t>
             </a:fld>
             <a:endParaRPr lang="ko-KR" altLang="en-US">
               <a:solidFill>
@@ -4077,7 +4081,7 @@
                 <a:latin typeface="맑은 고딕" charset="0"/>
                 <a:ea typeface="맑은 고딕" charset="0"/>
               </a:rPr>
-              <a:t>2022-06-02</a:t>
+              <a:t>2022-06-08</a:t>
             </a:fld>
             <a:endParaRPr lang="ko-KR" altLang="en-US">
               <a:solidFill>
@@ -4394,7 +4398,7 @@
                 </a:solidFill>
               </a:rPr>
               <a:pPr/>
-              <a:t>2022-06-02</a:t>
+              <a:t>2022-06-08</a:t>
             </a:fld>
             <a:endParaRPr lang="ko-KR" altLang="en-US">
               <a:solidFill>
@@ -4691,7 +4695,7 @@
                 </a:solidFill>
               </a:rPr>
               <a:pPr/>
-              <a:t>2022-06-02</a:t>
+              <a:t>2022-06-08</a:t>
             </a:fld>
             <a:endParaRPr lang="ko-KR" altLang="en-US">
               <a:solidFill>
@@ -5135,7 +5139,7 @@
                 </a:solidFill>
               </a:rPr>
               <a:pPr/>
-              <a:t>2022-06-02</a:t>
+              <a:t>2022-06-08</a:t>
             </a:fld>
             <a:endParaRPr lang="ko-KR" altLang="en-US">
               <a:solidFill>
@@ -5308,7 +5312,7 @@
                 </a:solidFill>
               </a:rPr>
               <a:pPr/>
-              <a:t>2022-06-02</a:t>
+              <a:t>2022-06-08</a:t>
             </a:fld>
             <a:endParaRPr lang="ko-KR" altLang="en-US">
               <a:solidFill>
@@ -5453,7 +5457,7 @@
                 </a:solidFill>
               </a:rPr>
               <a:pPr/>
-              <a:t>2022-06-02</a:t>
+              <a:t>2022-06-08</a:t>
             </a:fld>
             <a:endParaRPr lang="ko-KR" altLang="en-US">
               <a:solidFill>
@@ -6822,7 +6826,7 @@
                 </a:solidFill>
               </a:rPr>
               <a:pPr/>
-              <a:t>2022-06-02</a:t>
+              <a:t>2022-06-08</a:t>
             </a:fld>
             <a:endParaRPr lang="ko-KR" altLang="en-US">
               <a:solidFill>
@@ -7142,7 +7146,7 @@
                 </a:solidFill>
               </a:rPr>
               <a:pPr/>
-              <a:t>2022-06-02</a:t>
+              <a:t>2022-06-08</a:t>
             </a:fld>
             <a:endParaRPr lang="ko-KR" altLang="en-US">
               <a:solidFill>
@@ -7415,7 +7419,7 @@
                 </a:solidFill>
               </a:rPr>
               <a:pPr/>
-              <a:t>2022-06-02</a:t>
+              <a:t>2022-06-08</a:t>
             </a:fld>
             <a:endParaRPr lang="ko-KR" altLang="en-US">
               <a:solidFill>
@@ -8016,7 +8020,7 @@
                 <a:latin typeface="맑은 고딕" charset="0"/>
                 <a:ea typeface="맑은 고딕" charset="0"/>
               </a:rPr>
-              <a:t>2022-06-02</a:t>
+              <a:t>2022-06-08</a:t>
             </a:fld>
             <a:endParaRPr lang="ko-KR" altLang="en-US">
               <a:solidFill>
@@ -8375,7 +8379,7 @@
         <p:spPr>
           <a:xfrm>
             <a:off x="457200" y="1600200"/>
-            <a:ext cx="11363498" cy="4525963"/>
+            <a:ext cx="8229600" cy="4525963"/>
           </a:xfrm>
           <a:prstGeom prst="rect">
             <a:avLst/>
@@ -8554,13 +8558,8 @@
             </a:pPr>
             <a:r>
               <a:rPr lang="en-US" altLang="ko-KR" dirty="0"/>
-              <a:t>* </a:t>
-            </a:r>
-            <a:r>
-              <a:rPr lang="ko-KR" altLang="en-US" dirty="0"/>
-              <a:t>애칭 </a:t>
-            </a:r>
-            <a:endParaRPr lang="en-US" altLang="ko-KR" dirty="0"/>
+              <a:t>1.Select</a:t>
+            </a:r>
           </a:p>
           <a:p>
             <a:pPr marL="0" indent="0">
@@ -8571,164 +8570,86 @@
               <a:t>  </a:t>
             </a:r>
             <a:r>
+              <a:rPr lang="en-US" altLang="ko-KR" sz="2400" dirty="0" smtClean="0"/>
+              <a:t>7) </a:t>
+            </a:r>
+            <a:r>
+              <a:rPr lang="en-US" altLang="ko-KR" sz="2400" dirty="0" smtClean="0"/>
+              <a:t>in</a:t>
+            </a:r>
+            <a:r>
+              <a:rPr lang="en-US" altLang="ko-KR" sz="2400" dirty="0" smtClean="0"/>
+              <a:t> </a:t>
+            </a:r>
+            <a:r>
               <a:rPr lang="ko-KR" altLang="en-US" sz="2400" dirty="0"/>
-              <a:t>쿼리 사용 중 테이블</a:t>
+              <a:t>조건 </a:t>
+            </a:r>
+            <a:r>
+              <a:rPr lang="ko-KR" altLang="en-US" sz="2400" dirty="0" smtClean="0"/>
+              <a:t>조회</a:t>
+            </a:r>
+            <a:endParaRPr lang="en-US" altLang="ko-KR" sz="2400" dirty="0" smtClean="0"/>
+          </a:p>
+          <a:p>
+            <a:pPr marL="0" indent="0">
+              <a:buNone/>
+            </a:pPr>
+            <a:r>
+              <a:rPr lang="en-US" altLang="ko-KR" sz="2400" dirty="0"/>
+              <a:t>    select </a:t>
+            </a:r>
+            <a:r>
+              <a:rPr lang="en-US" altLang="ko-KR" sz="2400" dirty="0" err="1"/>
+              <a:t>c_id</a:t>
             </a:r>
             <a:r>
               <a:rPr lang="en-US" altLang="ko-KR" sz="2400" dirty="0"/>
               <a:t>, </a:t>
             </a:r>
             <a:r>
-              <a:rPr lang="ko-KR" altLang="en-US" sz="2400" dirty="0"/>
-              <a:t>컬럼</a:t>
+              <a:rPr lang="en-US" altLang="ko-KR" sz="2400" dirty="0" err="1"/>
+              <a:t>c_name</a:t>
             </a:r>
             <a:r>
               <a:rPr lang="en-US" altLang="ko-KR" sz="2400" dirty="0"/>
-              <a:t>(</a:t>
-            </a:r>
-            <a:r>
-              <a:rPr lang="ko-KR" altLang="en-US" sz="2400" dirty="0" err="1"/>
-              <a:t>가상컬럼</a:t>
-            </a:r>
+              <a:t>, level</a:t>
+            </a:r>
+          </a:p>
+          <a:p>
+            <a:pPr marL="0" indent="0">
+              <a:buNone/>
+            </a:pPr>
             <a:r>
               <a:rPr lang="en-US" altLang="ko-KR" sz="2400" dirty="0"/>
-              <a:t>, </a:t>
-            </a:r>
-            <a:r>
-              <a:rPr lang="ko-KR" altLang="en-US" sz="2400" dirty="0"/>
-              <a:t>테이블 포함</a:t>
+              <a:t>    </a:t>
+            </a:r>
+            <a:r>
+              <a:rPr lang="en-US" altLang="ko-KR" sz="2400" dirty="0" smtClean="0"/>
+              <a:t>  </a:t>
             </a:r>
             <a:r>
               <a:rPr lang="en-US" altLang="ko-KR" sz="2400" dirty="0"/>
-              <a:t>)</a:t>
-            </a:r>
-            <a:r>
-              <a:rPr lang="ko-KR" altLang="en-US" sz="2400" dirty="0"/>
-              <a:t>에 애칭을 주어 사용 가능</a:t>
+              <a:t>from customer</a:t>
+            </a:r>
+          </a:p>
+          <a:p>
+            <a:pPr marL="0" indent="0">
+              <a:buNone/>
+            </a:pPr>
+            <a:r>
+              <a:rPr lang="en-US" altLang="ko-KR" sz="2400" dirty="0"/>
+              <a:t>    </a:t>
+            </a:r>
+            <a:r>
+              <a:rPr lang="en-US" altLang="ko-KR" sz="2400" dirty="0" smtClean="0"/>
+              <a:t> </a:t>
+            </a:r>
+            <a:r>
+              <a:rPr lang="en-US" altLang="ko-KR" sz="2400" dirty="0"/>
+              <a:t>where level in ('VVIP', 'VIP');</a:t>
             </a:r>
             <a:endParaRPr lang="en-US" altLang="ko-KR" sz="2400" dirty="0"/>
-          </a:p>
-          <a:p>
-            <a:pPr marL="0" indent="0">
-              <a:buNone/>
-            </a:pPr>
-            <a:r>
-              <a:rPr lang="en-US" altLang="ko-KR" sz="2400" dirty="0"/>
-              <a:t>     Select </a:t>
-            </a:r>
-            <a:r>
-              <a:rPr lang="en-US" altLang="ko-KR" sz="2400" dirty="0" err="1"/>
-              <a:t>mst</a:t>
-            </a:r>
-            <a:r>
-              <a:rPr lang="en-US" altLang="ko-KR" sz="2400" dirty="0"/>
-              <a:t>.</a:t>
-            </a:r>
-            <a:r>
-              <a:rPr lang="ko-KR" altLang="en-US" sz="2400" dirty="0" err="1"/>
-              <a:t>컬럼명</a:t>
-            </a:r>
-            <a:r>
-              <a:rPr lang="ko-KR" altLang="en-US" sz="2400" dirty="0"/>
-              <a:t> </a:t>
-            </a:r>
-            <a:r>
-              <a:rPr lang="en-US" altLang="ko-KR" sz="2400" dirty="0"/>
-              <a:t>AS A1, </a:t>
-            </a:r>
-            <a:r>
-              <a:rPr lang="en-US" altLang="ko-KR" sz="2400" dirty="0" err="1"/>
-              <a:t>mst</a:t>
-            </a:r>
-            <a:r>
-              <a:rPr lang="en-US" altLang="ko-KR" sz="2400" dirty="0"/>
-              <a:t>.</a:t>
-            </a:r>
-            <a:r>
-              <a:rPr lang="ko-KR" altLang="en-US" sz="2400" dirty="0" err="1"/>
-              <a:t>컬럼명</a:t>
-            </a:r>
-            <a:r>
-              <a:rPr lang="ko-KR" altLang="en-US" sz="2400" dirty="0"/>
-              <a:t> </a:t>
-            </a:r>
-            <a:r>
-              <a:rPr lang="en-US" altLang="ko-KR" sz="2400" dirty="0"/>
-              <a:t>AS A2…</a:t>
-            </a:r>
-          </a:p>
-          <a:p>
-            <a:pPr marL="0" indent="0">
-              <a:buFont typeface="Arial" panose="020B0604020202020204" pitchFamily="34" charset="0"/>
-              <a:buNone/>
-            </a:pPr>
-            <a:r>
-              <a:rPr lang="en-US" altLang="ko-KR" sz="2400" dirty="0"/>
-              <a:t>       from </a:t>
-            </a:r>
-            <a:r>
-              <a:rPr lang="ko-KR" altLang="en-US" sz="2400" dirty="0" err="1"/>
-              <a:t>테이블명</a:t>
-            </a:r>
-            <a:r>
-              <a:rPr lang="ko-KR" altLang="en-US" sz="2400" dirty="0"/>
-              <a:t> </a:t>
-            </a:r>
-            <a:r>
-              <a:rPr lang="en-US" altLang="ko-KR" sz="2400" dirty="0"/>
-              <a:t>AS </a:t>
-            </a:r>
-            <a:r>
-              <a:rPr lang="en-US" altLang="ko-KR" sz="2400" dirty="0" err="1"/>
-              <a:t>mst</a:t>
-            </a:r>
-            <a:endParaRPr lang="en-US" altLang="ko-KR" sz="2400" dirty="0"/>
-          </a:p>
-          <a:p>
-            <a:pPr marL="0" indent="0">
-              <a:buFont typeface="Arial" panose="020B0604020202020204" pitchFamily="34" charset="0"/>
-              <a:buNone/>
-            </a:pPr>
-            <a:r>
-              <a:rPr lang="en-US" altLang="ko-KR" sz="2400" dirty="0"/>
-              <a:t>   </a:t>
-            </a:r>
-            <a:r>
-              <a:rPr lang="ko-KR" altLang="en-US" sz="2400" dirty="0"/>
-              <a:t> </a:t>
-            </a:r>
-            <a:r>
-              <a:rPr lang="en-US" altLang="ko-KR" sz="2400" dirty="0"/>
-              <a:t>Where </a:t>
-            </a:r>
-            <a:r>
-              <a:rPr lang="en-US" altLang="ko-KR" sz="2400" dirty="0" err="1"/>
-              <a:t>mst</a:t>
-            </a:r>
-            <a:r>
-              <a:rPr lang="en-US" altLang="ko-KR" sz="2400" dirty="0"/>
-              <a:t>.</a:t>
-            </a:r>
-            <a:r>
-              <a:rPr lang="ko-KR" altLang="en-US" sz="2400" dirty="0" err="1"/>
-              <a:t>컬럼명</a:t>
-            </a:r>
-            <a:r>
-              <a:rPr lang="ko-KR" altLang="en-US" sz="2400" dirty="0"/>
-              <a:t> </a:t>
-            </a:r>
-            <a:r>
-              <a:rPr lang="en-US" altLang="ko-KR" sz="2400" dirty="0"/>
-              <a:t>= </a:t>
-            </a:r>
-            <a:r>
-              <a:rPr lang="ko-KR" altLang="en-US" sz="2400" dirty="0"/>
-              <a:t>조건</a:t>
-            </a:r>
-            <a:r>
-              <a:rPr lang="en-US" altLang="ko-KR" sz="2400" dirty="0"/>
-              <a:t>;</a:t>
-            </a:r>
           </a:p>
         </p:txBody>
       </p:sp>
@@ -8748,8 +8669,8 @@
         </p:blipFill>
         <p:spPr>
           <a:xfrm>
-            <a:off x="5088718" y="3650342"/>
-            <a:ext cx="4525006" cy="2267266"/>
+            <a:off x="5501771" y="2344113"/>
+            <a:ext cx="6370057" cy="4156895"/>
           </a:xfrm>
           <a:prstGeom prst="rect">
             <a:avLst/>
@@ -8759,7 +8680,7 @@
     </p:spTree>
     <p:extLst>
       <p:ext uri="{BB962C8B-B14F-4D97-AF65-F5344CB8AC3E}">
-        <p14:creationId xmlns:p14="http://schemas.microsoft.com/office/powerpoint/2010/main" val="753460130"/>
+        <p14:creationId xmlns:p14="http://schemas.microsoft.com/office/powerpoint/2010/main" val="555882552"/>
       </p:ext>
     </p:extLst>
   </p:cSld>
@@ -8853,8 +8774,8 @@
         </p:nvSpPr>
         <p:spPr>
           <a:xfrm>
-            <a:off x="457199" y="1600200"/>
-            <a:ext cx="10956175" cy="4525963"/>
+            <a:off x="498765" y="1600200"/>
+            <a:ext cx="11222182" cy="4525963"/>
           </a:xfrm>
           <a:prstGeom prst="rect">
             <a:avLst/>
@@ -9032,8 +8953,36 @@
               <a:buNone/>
             </a:pPr>
             <a:r>
-              <a:rPr lang="en-US" altLang="ko-KR" dirty="0"/>
-              <a:t>1.Select</a:t>
+              <a:rPr lang="ko-KR" altLang="en-US" sz="2400" dirty="0"/>
+              <a:t>실습 </a:t>
+            </a:r>
+            <a:r>
+              <a:rPr lang="en-US" altLang="ko-KR" sz="2400" dirty="0"/>
+              <a:t>1. </a:t>
+            </a:r>
+            <a:r>
+              <a:rPr lang="ko-KR" altLang="en-US" sz="2400" dirty="0"/>
+              <a:t>고객관리대장 테이블의 </a:t>
+            </a:r>
+            <a:r>
+              <a:rPr lang="ko-KR" altLang="en-US" sz="2400" dirty="0" err="1"/>
+              <a:t>고객등급에</a:t>
+            </a:r>
+            <a:r>
+              <a:rPr lang="ko-KR" altLang="en-US" sz="2400" dirty="0"/>
+              <a:t> </a:t>
+            </a:r>
+            <a:r>
+              <a:rPr lang="en-US" altLang="ko-KR" sz="2400" dirty="0"/>
+              <a:t>VIP</a:t>
+            </a:r>
+            <a:r>
+              <a:rPr lang="ko-KR" altLang="en-US" sz="2400" dirty="0"/>
+              <a:t>인 사람의 이름과 등급을 모두 출력 하시오</a:t>
+            </a:r>
+            <a:r>
+              <a:rPr lang="en-US" altLang="ko-KR" sz="2400" dirty="0"/>
+              <a:t>.</a:t>
             </a:r>
           </a:p>
           <a:p>
@@ -9041,13 +8990,40 @@
               <a:buFont typeface="Arial" panose="020B0604020202020204" pitchFamily="34" charset="0"/>
               <a:buNone/>
             </a:pPr>
+            <a:endParaRPr lang="en-US" altLang="ko-KR" sz="2400" dirty="0"/>
+          </a:p>
+          <a:p>
+            <a:pPr marL="0" indent="0">
+              <a:buFont typeface="Arial" panose="020B0604020202020204" pitchFamily="34" charset="0"/>
+              <a:buNone/>
+            </a:pPr>
+            <a:r>
+              <a:rPr lang="ko-KR" altLang="en-US" sz="2400" dirty="0"/>
+              <a:t>실습 </a:t>
+            </a:r>
             <a:r>
               <a:rPr lang="en-US" altLang="ko-KR" sz="2400" dirty="0"/>
-              <a:t>  6)</a:t>
+              <a:t>2. </a:t>
             </a:r>
             <a:r>
               <a:rPr lang="ko-KR" altLang="en-US" sz="2400" dirty="0"/>
-              <a:t> 서브 쿼리</a:t>
+              <a:t>고객관리대장 테이블의 연락처에 </a:t>
+            </a:r>
+            <a:r>
+              <a:rPr lang="en-US" altLang="ko-KR" sz="2400" dirty="0"/>
+              <a:t>11</a:t>
+            </a:r>
+            <a:r>
+              <a:rPr lang="ko-KR" altLang="en-US" sz="2400" dirty="0"/>
+              <a:t>이 포함된 사람의 이름과</a:t>
+            </a:r>
+            <a:r>
+              <a:rPr lang="en-US" altLang="ko-KR" sz="2400" dirty="0"/>
+              <a:t> </a:t>
+            </a:r>
+            <a:r>
+              <a:rPr lang="ko-KR" altLang="en-US" sz="2400" dirty="0"/>
+              <a:t>연락처를 모두 출력 하시오</a:t>
             </a:r>
             <a:endParaRPr lang="en-US" altLang="ko-KR" sz="2400" dirty="0"/>
           </a:p>
@@ -9056,27 +9032,7 @@
               <a:buFont typeface="Arial" panose="020B0604020202020204" pitchFamily="34" charset="0"/>
               <a:buNone/>
             </a:pPr>
-            <a:r>
-              <a:rPr lang="en-US" altLang="ko-KR" sz="2000" dirty="0"/>
-              <a:t>    </a:t>
-            </a:r>
-            <a:r>
-              <a:rPr lang="ko-KR" altLang="en-US" sz="2000" dirty="0"/>
-              <a:t>가</a:t>
-            </a:r>
-            <a:r>
-              <a:rPr lang="en-US" altLang="ko-KR" sz="2000" dirty="0"/>
-              <a:t>) </a:t>
-            </a:r>
-            <a:r>
-              <a:rPr lang="ko-KR" altLang="en-US" sz="2000" dirty="0" err="1"/>
-              <a:t>컬럼형</a:t>
-            </a:r>
-            <a:r>
-              <a:rPr lang="ko-KR" altLang="en-US" sz="2000" dirty="0"/>
-              <a:t> 서브 쿼리</a:t>
-            </a:r>
-            <a:endParaRPr lang="en-US" altLang="ko-KR" sz="2000" dirty="0"/>
+            <a:endParaRPr lang="en-US" altLang="ko-KR" sz="2400" dirty="0"/>
           </a:p>
           <a:p>
             <a:pPr marL="0" indent="0">
@@ -9084,62 +9040,106 @@
               <a:buNone/>
             </a:pPr>
             <a:r>
-              <a:rPr lang="en-US" altLang="ko-KR" sz="1800" dirty="0"/>
-              <a:t>     Select </a:t>
-            </a:r>
-            <a:r>
-              <a:rPr lang="ko-KR" altLang="en-US" sz="1800" dirty="0" err="1"/>
-              <a:t>컬럼명</a:t>
-            </a:r>
-            <a:r>
-              <a:rPr lang="en-US" altLang="ko-KR" sz="1800" dirty="0"/>
+              <a:rPr lang="ko-KR" altLang="en-US" sz="2400" dirty="0"/>
+              <a:t>실습 </a:t>
+            </a:r>
+            <a:r>
+              <a:rPr lang="en-US" altLang="ko-KR" sz="2400" dirty="0"/>
+              <a:t>3. </a:t>
+            </a:r>
+            <a:r>
+              <a:rPr lang="ko-KR" altLang="en-US" sz="2400" dirty="0"/>
+              <a:t>우편번호가 </a:t>
+            </a:r>
+            <a:r>
+              <a:rPr lang="en-US" altLang="ko-KR" sz="2400" dirty="0"/>
+              <a:t>8</a:t>
+            </a:r>
+            <a:r>
+              <a:rPr lang="ko-KR" altLang="en-US" sz="2400" dirty="0"/>
+              <a:t>로 시작하는 사람들의 고객관리번호</a:t>
+            </a:r>
+            <a:r>
+              <a:rPr lang="en-US" altLang="ko-KR" sz="2400" dirty="0"/>
               <a:t>, </a:t>
             </a:r>
             <a:r>
-              <a:rPr lang="ko-KR" altLang="en-US" sz="1800" dirty="0" err="1"/>
-              <a:t>컬럼명</a:t>
-            </a:r>
-            <a:r>
-              <a:rPr lang="en-US" altLang="ko-KR" sz="1800" dirty="0"/>
-              <a:t>…</a:t>
-            </a:r>
+              <a:rPr lang="ko-KR" altLang="en-US" sz="2400" dirty="0" err="1"/>
+              <a:t>고객이름</a:t>
+            </a:r>
+            <a:r>
+              <a:rPr lang="en-US" altLang="ko-KR" sz="2400" dirty="0"/>
+              <a:t>, </a:t>
+            </a:r>
+            <a:r>
+              <a:rPr lang="ko-KR" altLang="en-US" sz="2400" dirty="0"/>
+              <a:t>우편번호</a:t>
+            </a:r>
+            <a:r>
+              <a:rPr lang="en-US" altLang="ko-KR" sz="2400" dirty="0"/>
+              <a:t>, </a:t>
+            </a:r>
+            <a:r>
+              <a:rPr lang="ko-KR" altLang="en-US" sz="2400" dirty="0"/>
+              <a:t>나이를 출력 하시오</a:t>
+            </a:r>
+            <a:endParaRPr lang="en-US" altLang="ko-KR" sz="2400" dirty="0"/>
           </a:p>
           <a:p>
             <a:pPr marL="0" indent="0">
               <a:buFont typeface="Arial" panose="020B0604020202020204" pitchFamily="34" charset="0"/>
               <a:buNone/>
             </a:pPr>
-            <a:r>
-              <a:rPr lang="en-US" altLang="ko-KR" sz="1800" dirty="0"/>
-              <a:t>             ,(Select B1.</a:t>
-            </a:r>
-            <a:r>
-              <a:rPr lang="ko-KR" altLang="en-US" sz="1800" dirty="0" err="1"/>
-              <a:t>컬럼명</a:t>
-            </a:r>
-            <a:r>
-              <a:rPr lang="ko-KR" altLang="en-US" sz="1800" dirty="0"/>
+            <a:endParaRPr lang="en-US" altLang="ko-KR" sz="2400" dirty="0"/>
+          </a:p>
+          <a:p>
+            <a:pPr marL="0" indent="0">
+              <a:buFont typeface="Arial" panose="020B0604020202020204" pitchFamily="34" charset="0"/>
+              <a:buNone/>
+            </a:pPr>
+            <a:r>
+              <a:rPr lang="ko-KR" altLang="en-US" sz="2400" dirty="0"/>
+              <a:t>실습 </a:t>
+            </a:r>
+            <a:r>
+              <a:rPr lang="en-US" altLang="ko-KR" sz="2400" dirty="0"/>
+              <a:t>4. </a:t>
+            </a:r>
+            <a:r>
+              <a:rPr lang="ko-KR" altLang="en-US" sz="2400" dirty="0"/>
+              <a:t>나이가 </a:t>
+            </a:r>
+            <a:r>
+              <a:rPr lang="en-US" altLang="ko-KR" sz="2400" dirty="0"/>
+              <a:t>30</a:t>
+            </a:r>
+            <a:r>
+              <a:rPr lang="ko-KR" altLang="en-US" sz="2400" dirty="0"/>
+              <a:t>세 미만의 </a:t>
+            </a:r>
+            <a:r>
+              <a:rPr lang="ko-KR" altLang="en-US" sz="2400" dirty="0" err="1"/>
+              <a:t>고객이름과</a:t>
+            </a:r>
+            <a:r>
+              <a:rPr lang="ko-KR" altLang="en-US" sz="2400" dirty="0"/>
               <a:t> </a:t>
             </a:r>
             <a:r>
-              <a:rPr lang="en-US" altLang="ko-KR" sz="1800" dirty="0"/>
-              <a:t>from </a:t>
-            </a:r>
-            <a:r>
-              <a:rPr lang="ko-KR" altLang="en-US" sz="1800" dirty="0" err="1"/>
-              <a:t>테이블명</a:t>
-            </a:r>
-            <a:r>
-              <a:rPr lang="en-US" altLang="ko-KR" sz="1800" dirty="0"/>
-              <a:t>B AS B1 where </a:t>
-            </a:r>
-            <a:r>
-              <a:rPr lang="ko-KR" altLang="en-US" sz="1800" dirty="0"/>
-              <a:t>조건</a:t>
-            </a:r>
-            <a:r>
-              <a:rPr lang="en-US" altLang="ko-KR" sz="1800" dirty="0"/>
-              <a:t>) AS new1</a:t>
+              <a:rPr lang="ko-KR" altLang="en-US" sz="2400" dirty="0" err="1"/>
+              <a:t>고객등급</a:t>
+            </a:r>
+            <a:r>
+              <a:rPr lang="en-US" altLang="ko-KR" sz="2400" dirty="0"/>
+              <a:t>, </a:t>
+            </a:r>
+            <a:r>
+              <a:rPr lang="ko-KR" altLang="en-US" sz="2400" dirty="0"/>
+              <a:t>나이를 모두 출력 하시오</a:t>
+            </a:r>
+            <a:r>
+              <a:rPr lang="en-US" altLang="ko-KR" sz="2400" dirty="0"/>
+              <a:t>.</a:t>
             </a:r>
           </a:p>
           <a:p>
@@ -9148,78 +9148,16 @@
               <a:buNone/>
             </a:pPr>
             <a:r>
-              <a:rPr lang="en-US" altLang="ko-KR" sz="1800" dirty="0"/>
-              <a:t>       from </a:t>
-            </a:r>
-            <a:r>
-              <a:rPr lang="ko-KR" altLang="en-US" sz="1800" dirty="0" err="1"/>
-              <a:t>테이블명</a:t>
-            </a:r>
-            <a:r>
-              <a:rPr lang="ko-KR" altLang="en-US" sz="1800" dirty="0"/>
+              <a:rPr lang="en-US" altLang="ko-KR" sz="2400" dirty="0"/>
               <a:t> </a:t>
-            </a:r>
-            <a:r>
-              <a:rPr lang="en-US" altLang="ko-KR" sz="1800" dirty="0"/>
-              <a:t>AS A1</a:t>
-            </a:r>
-          </a:p>
-          <a:p>
-            <a:pPr marL="0" indent="0">
-              <a:buFont typeface="Arial" panose="020B0604020202020204" pitchFamily="34" charset="0"/>
-              <a:buNone/>
-            </a:pPr>
-            <a:r>
-              <a:rPr lang="en-US" altLang="ko-KR" sz="1800" dirty="0"/>
-              <a:t>   </a:t>
-            </a:r>
-            <a:r>
-              <a:rPr lang="ko-KR" altLang="en-US" sz="1800" dirty="0"/>
-              <a:t> </a:t>
-            </a:r>
-            <a:r>
-              <a:rPr lang="en-US" altLang="ko-KR" sz="1800" dirty="0"/>
-              <a:t>Where </a:t>
-            </a:r>
-            <a:r>
-              <a:rPr lang="ko-KR" altLang="en-US" sz="1800" dirty="0"/>
-              <a:t>조건</a:t>
-            </a:r>
-            <a:r>
-              <a:rPr lang="en-US" altLang="ko-KR" sz="1800" dirty="0"/>
-              <a:t>;</a:t>
             </a:r>
           </a:p>
         </p:txBody>
       </p:sp>
-      <p:pic>
-        <p:nvPicPr>
-          <p:cNvPr id="2" name="그림 1"/>
-          <p:cNvPicPr>
-            <a:picLocks noChangeAspect="1"/>
-          </p:cNvPicPr>
-          <p:nvPr/>
-        </p:nvPicPr>
-        <p:blipFill>
-          <a:blip r:embed="rId2"/>
-          <a:stretch>
-            <a:fillRect/>
-          </a:stretch>
-        </p:blipFill>
-        <p:spPr>
-          <a:xfrm>
-            <a:off x="638167" y="1713186"/>
-            <a:ext cx="10517339" cy="4909005"/>
-          </a:xfrm>
-          <a:prstGeom prst="rect">
-            <a:avLst/>
-          </a:prstGeom>
-        </p:spPr>
-      </p:pic>
     </p:spTree>
     <p:extLst>
       <p:ext uri="{BB962C8B-B14F-4D97-AF65-F5344CB8AC3E}">
-        <p14:creationId xmlns:p14="http://schemas.microsoft.com/office/powerpoint/2010/main" val="2469686695"/>
+        <p14:creationId xmlns:p14="http://schemas.microsoft.com/office/powerpoint/2010/main" val="1679877727"/>
       </p:ext>
     </p:extLst>
   </p:cSld>
@@ -9305,7 +9243,7 @@
       </p:sp>
       <p:sp>
         <p:nvSpPr>
-          <p:cNvPr id="3" name="내용 개체 틀 2"/>
+          <p:cNvPr id="7" name="내용 개체 틀 2"/>
           <p:cNvSpPr txBox="1">
             <a:spLocks/>
           </p:cNvSpPr>
@@ -9313,8 +9251,8 @@
         </p:nvSpPr>
         <p:spPr>
           <a:xfrm>
-            <a:off x="457199" y="1600200"/>
-            <a:ext cx="11305309" cy="4525963"/>
+            <a:off x="457200" y="1600200"/>
+            <a:ext cx="11363498" cy="4525963"/>
           </a:xfrm>
           <a:prstGeom prst="rect">
             <a:avLst/>
@@ -9493,21 +9431,57 @@
             </a:pPr>
             <a:r>
               <a:rPr lang="en-US" altLang="ko-KR" dirty="0"/>
-              <a:t>1.Select</a:t>
-            </a:r>
+              <a:t>* </a:t>
+            </a:r>
+            <a:r>
+              <a:rPr lang="ko-KR" altLang="en-US" dirty="0"/>
+              <a:t>애칭 </a:t>
+            </a:r>
+            <a:endParaRPr lang="en-US" altLang="ko-KR" dirty="0"/>
           </a:p>
           <a:p>
             <a:pPr marL="0" indent="0">
-              <a:buFont typeface="Arial" panose="020B0604020202020204" pitchFamily="34" charset="0"/>
               <a:buNone/>
             </a:pPr>
             <a:r>
               <a:rPr lang="en-US" altLang="ko-KR" sz="2400" dirty="0"/>
-              <a:t>  6) </a:t>
+              <a:t>  </a:t>
             </a:r>
             <a:r>
               <a:rPr lang="ko-KR" altLang="en-US" sz="2400" dirty="0"/>
-              <a:t>서브 쿼리</a:t>
+              <a:t>쿼리 사용 중 테이블</a:t>
+            </a:r>
+            <a:r>
+              <a:rPr lang="en-US" altLang="ko-KR" sz="2400" dirty="0"/>
+              <a:t>, </a:t>
+            </a:r>
+            <a:r>
+              <a:rPr lang="ko-KR" altLang="en-US" sz="2400" dirty="0"/>
+              <a:t>컬럼</a:t>
+            </a:r>
+            <a:r>
+              <a:rPr lang="en-US" altLang="ko-KR" sz="2400" dirty="0"/>
+              <a:t>(</a:t>
+            </a:r>
+            <a:r>
+              <a:rPr lang="ko-KR" altLang="en-US" sz="2400" dirty="0" err="1"/>
+              <a:t>가상컬럼</a:t>
+            </a:r>
+            <a:r>
+              <a:rPr lang="en-US" altLang="ko-KR" sz="2400" dirty="0"/>
+              <a:t>, </a:t>
+            </a:r>
+            <a:r>
+              <a:rPr lang="ko-KR" altLang="en-US" sz="2400" dirty="0"/>
+              <a:t>테이블 포함</a:t>
+            </a:r>
+            <a:r>
+              <a:rPr lang="en-US" altLang="ko-KR" sz="2400" dirty="0"/>
+              <a:t>)</a:t>
+            </a:r>
+            <a:r>
+              <a:rPr lang="ko-KR" altLang="en-US" sz="2400" dirty="0"/>
+              <a:t>에 애칭을 주어 사용 가능</a:t>
             </a:r>
             <a:endParaRPr lang="en-US" altLang="ko-KR" sz="2400" dirty="0"/>
           </a:p>
@@ -9516,152 +9490,128 @@
               <a:buNone/>
             </a:pPr>
             <a:r>
-              <a:rPr lang="en-US" altLang="ko-KR" sz="1800" dirty="0"/>
-              <a:t>    </a:t>
-            </a:r>
-            <a:r>
-              <a:rPr lang="ko-KR" altLang="en-US" sz="1800" dirty="0"/>
-              <a:t>나</a:t>
-            </a:r>
-            <a:r>
-              <a:rPr lang="en-US" altLang="ko-KR" sz="1800" dirty="0"/>
-              <a:t>) </a:t>
-            </a:r>
-            <a:r>
-              <a:rPr lang="ko-KR" altLang="en-US" sz="1800" dirty="0" err="1"/>
-              <a:t>컬럼형</a:t>
-            </a:r>
-            <a:r>
-              <a:rPr lang="ko-KR" altLang="en-US" sz="1800" dirty="0"/>
-              <a:t> 서브 쿼리 </a:t>
-            </a:r>
-            <a:endParaRPr lang="en-US" altLang="ko-KR" sz="1800" dirty="0"/>
+              <a:rPr lang="en-US" altLang="ko-KR" sz="2400" dirty="0"/>
+              <a:t>     Select </a:t>
+            </a:r>
+            <a:r>
+              <a:rPr lang="en-US" altLang="ko-KR" sz="2400" dirty="0" err="1"/>
+              <a:t>mst</a:t>
+            </a:r>
+            <a:r>
+              <a:rPr lang="en-US" altLang="ko-KR" sz="2400" dirty="0"/>
+              <a:t>.</a:t>
+            </a:r>
+            <a:r>
+              <a:rPr lang="ko-KR" altLang="en-US" sz="2400" dirty="0" err="1"/>
+              <a:t>컬럼명</a:t>
+            </a:r>
+            <a:r>
+              <a:rPr lang="ko-KR" altLang="en-US" sz="2400" dirty="0"/>
+              <a:t> </a:t>
+            </a:r>
+            <a:r>
+              <a:rPr lang="en-US" altLang="ko-KR" sz="2400" dirty="0"/>
+              <a:t>AS A1, </a:t>
+            </a:r>
+            <a:r>
+              <a:rPr lang="en-US" altLang="ko-KR" sz="2400" dirty="0" err="1"/>
+              <a:t>mst</a:t>
+            </a:r>
+            <a:r>
+              <a:rPr lang="en-US" altLang="ko-KR" sz="2400" dirty="0"/>
+              <a:t>.</a:t>
+            </a:r>
+            <a:r>
+              <a:rPr lang="ko-KR" altLang="en-US" sz="2400" dirty="0" err="1"/>
+              <a:t>컬럼명</a:t>
+            </a:r>
+            <a:r>
+              <a:rPr lang="ko-KR" altLang="en-US" sz="2400" dirty="0"/>
+              <a:t> </a:t>
+            </a:r>
+            <a:r>
+              <a:rPr lang="en-US" altLang="ko-KR" sz="2400" dirty="0"/>
+              <a:t>AS A2…</a:t>
+            </a:r>
           </a:p>
           <a:p>
             <a:pPr marL="0" indent="0">
-              <a:buNone/>
-            </a:pPr>
-            <a:r>
-              <a:rPr lang="en-US" altLang="ko-KR" sz="1800" dirty="0"/>
-              <a:t>    Select </a:t>
-            </a:r>
-            <a:r>
-              <a:rPr lang="ko-KR" altLang="en-US" sz="1800" dirty="0" err="1"/>
+              <a:buFont typeface="Arial" panose="020B0604020202020204" pitchFamily="34" charset="0"/>
+              <a:buNone/>
+            </a:pPr>
+            <a:r>
+              <a:rPr lang="en-US" altLang="ko-KR" sz="2400" dirty="0"/>
+              <a:t>       from </a:t>
+            </a:r>
+            <a:r>
+              <a:rPr lang="ko-KR" altLang="en-US" sz="2400" dirty="0" err="1"/>
+              <a:t>테이블명</a:t>
+            </a:r>
+            <a:r>
+              <a:rPr lang="ko-KR" altLang="en-US" sz="2400" dirty="0"/>
+              <a:t> </a:t>
+            </a:r>
+            <a:r>
+              <a:rPr lang="en-US" altLang="ko-KR" sz="2400" dirty="0"/>
+              <a:t>AS </a:t>
+            </a:r>
+            <a:r>
+              <a:rPr lang="en-US" altLang="ko-KR" sz="2400" dirty="0" err="1"/>
+              <a:t>mst</a:t>
+            </a:r>
+            <a:endParaRPr lang="en-US" altLang="ko-KR" sz="2400" dirty="0"/>
+          </a:p>
+          <a:p>
+            <a:pPr marL="0" indent="0">
+              <a:buFont typeface="Arial" panose="020B0604020202020204" pitchFamily="34" charset="0"/>
+              <a:buNone/>
+            </a:pPr>
+            <a:r>
+              <a:rPr lang="en-US" altLang="ko-KR" sz="2400" dirty="0"/>
+              <a:t>   </a:t>
+            </a:r>
+            <a:r>
+              <a:rPr lang="ko-KR" altLang="en-US" sz="2400" dirty="0"/>
+              <a:t> </a:t>
+            </a:r>
+            <a:r>
+              <a:rPr lang="en-US" altLang="ko-KR" sz="2400" dirty="0"/>
+              <a:t>Where </a:t>
+            </a:r>
+            <a:r>
+              <a:rPr lang="en-US" altLang="ko-KR" sz="2400" dirty="0" err="1"/>
+              <a:t>mst</a:t>
+            </a:r>
+            <a:r>
+              <a:rPr lang="en-US" altLang="ko-KR" sz="2400" dirty="0"/>
+              <a:t>.</a:t>
+            </a:r>
+            <a:r>
+              <a:rPr lang="ko-KR" altLang="en-US" sz="2400" dirty="0" err="1"/>
               <a:t>컬럼명</a:t>
             </a:r>
             <a:r>
-              <a:rPr lang="en-US" altLang="ko-KR" sz="1800" dirty="0"/>
-              <a:t>, </a:t>
-            </a:r>
-            <a:r>
-              <a:rPr lang="ko-KR" altLang="en-US" sz="1800" dirty="0" err="1"/>
-              <a:t>컬럼명</a:t>
-            </a:r>
-            <a:r>
-              <a:rPr lang="en-US" altLang="ko-KR" sz="1800" dirty="0"/>
-              <a:t>…</a:t>
-            </a:r>
-          </a:p>
-          <a:p>
-            <a:pPr marL="0" indent="0">
-              <a:buFont typeface="Arial" panose="020B0604020202020204" pitchFamily="34" charset="0"/>
-              <a:buNone/>
-            </a:pPr>
-            <a:r>
-              <a:rPr lang="en-US" altLang="ko-KR" sz="1800" dirty="0"/>
-              <a:t>      from </a:t>
-            </a:r>
-            <a:r>
-              <a:rPr lang="ko-KR" altLang="en-US" sz="1800" dirty="0" err="1"/>
-              <a:t>테이블명</a:t>
-            </a:r>
-            <a:r>
-              <a:rPr lang="ko-KR" altLang="en-US" sz="1800" dirty="0"/>
+              <a:rPr lang="ko-KR" altLang="en-US" sz="2400" dirty="0"/>
               <a:t> </a:t>
             </a:r>
             <a:r>
-              <a:rPr lang="en-US" altLang="ko-KR" sz="1800" dirty="0"/>
-              <a:t>AS A1</a:t>
-            </a:r>
-          </a:p>
-          <a:p>
-            <a:pPr marL="0" indent="0">
-              <a:buFont typeface="Arial" panose="020B0604020202020204" pitchFamily="34" charset="0"/>
-              <a:buNone/>
-            </a:pPr>
-            <a:r>
-              <a:rPr lang="en-US" altLang="ko-KR" sz="1800" dirty="0"/>
-              <a:t>   </a:t>
-            </a:r>
-            <a:r>
-              <a:rPr lang="ko-KR" altLang="en-US" sz="1800" dirty="0"/>
-              <a:t> </a:t>
-            </a:r>
-            <a:r>
-              <a:rPr lang="en-US" altLang="ko-KR" sz="1800" dirty="0"/>
-              <a:t>Where </a:t>
-            </a:r>
-            <a:r>
-              <a:rPr lang="ko-KR" altLang="en-US" sz="1800" dirty="0"/>
+              <a:rPr lang="en-US" altLang="ko-KR" sz="2400" dirty="0"/>
+              <a:t>= </a:t>
+            </a:r>
+            <a:r>
+              <a:rPr lang="ko-KR" altLang="en-US" sz="2400" dirty="0"/>
               <a:t>조건</a:t>
             </a:r>
-            <a:endParaRPr lang="en-US" altLang="ko-KR" sz="1800" dirty="0"/>
-          </a:p>
-          <a:p>
-            <a:pPr marL="0" indent="0">
-              <a:buFont typeface="Arial" panose="020B0604020202020204" pitchFamily="34" charset="0"/>
-              <a:buNone/>
-            </a:pPr>
-            <a:r>
-              <a:rPr lang="en-US" altLang="ko-KR" sz="1800" dirty="0"/>
-              <a:t>        and A1.</a:t>
-            </a:r>
-            <a:r>
-              <a:rPr lang="ko-KR" altLang="en-US" sz="1800" dirty="0" err="1"/>
-              <a:t>컬럼명</a:t>
-            </a:r>
-            <a:r>
-              <a:rPr lang="ko-KR" altLang="en-US" sz="1800" dirty="0"/>
-              <a:t> </a:t>
-            </a:r>
-            <a:r>
-              <a:rPr lang="en-US" altLang="ko-KR" sz="1800" dirty="0"/>
-              <a:t>= (Select B1.</a:t>
-            </a:r>
-            <a:r>
-              <a:rPr lang="ko-KR" altLang="en-US" sz="1800" dirty="0" err="1"/>
-              <a:t>컬럼명</a:t>
-            </a:r>
-            <a:r>
-              <a:rPr lang="ko-KR" altLang="en-US" sz="1800" dirty="0"/>
-              <a:t> </a:t>
-            </a:r>
-            <a:r>
-              <a:rPr lang="en-US" altLang="ko-KR" sz="1800" dirty="0"/>
-              <a:t>from </a:t>
-            </a:r>
-            <a:r>
-              <a:rPr lang="ko-KR" altLang="en-US" sz="1800" dirty="0" err="1"/>
-              <a:t>테이블명</a:t>
-            </a:r>
-            <a:r>
-              <a:rPr lang="en-US" altLang="ko-KR" sz="1800" dirty="0"/>
-              <a:t>B AS B1 where </a:t>
-            </a:r>
-            <a:r>
-              <a:rPr lang="ko-KR" altLang="en-US" sz="1800" dirty="0"/>
-              <a:t>조건</a:t>
-            </a:r>
-            <a:r>
-              <a:rPr lang="en-US" altLang="ko-KR" sz="1800" dirty="0"/>
-              <a:t>);</a:t>
+            <a:r>
+              <a:rPr lang="en-US" altLang="ko-KR" sz="2400" dirty="0"/>
+              <a:t>;</a:t>
             </a:r>
           </a:p>
         </p:txBody>
       </p:sp>
       <p:pic>
         <p:nvPicPr>
-          <p:cNvPr id="2" name="그림 1"/>
+          <p:cNvPr id="3" name="그림 2"/>
           <p:cNvPicPr>
             <a:picLocks noChangeAspect="1"/>
           </p:cNvPicPr>
@@ -9675,8 +9625,8 @@
         </p:blipFill>
         <p:spPr>
           <a:xfrm>
-            <a:off x="765868" y="2606566"/>
-            <a:ext cx="11559544" cy="3159410"/>
+            <a:off x="5088718" y="3650342"/>
+            <a:ext cx="4525006" cy="2267266"/>
           </a:xfrm>
           <a:prstGeom prst="rect">
             <a:avLst/>
@@ -9686,7 +9636,7 @@
     </p:spTree>
     <p:extLst>
       <p:ext uri="{BB962C8B-B14F-4D97-AF65-F5344CB8AC3E}">
-        <p14:creationId xmlns:p14="http://schemas.microsoft.com/office/powerpoint/2010/main" val="3125178332"/>
+        <p14:creationId xmlns:p14="http://schemas.microsoft.com/office/powerpoint/2010/main" val="753460130"/>
       </p:ext>
     </p:extLst>
   </p:cSld>
@@ -9772,7 +9722,7 @@
       </p:sp>
       <p:sp>
         <p:nvSpPr>
-          <p:cNvPr id="3" name="내용 개체 틀 2"/>
+          <p:cNvPr id="7" name="내용 개체 틀 2"/>
           <p:cNvSpPr txBox="1">
             <a:spLocks/>
           </p:cNvSpPr>
@@ -9781,7 +9731,7 @@
         <p:spPr>
           <a:xfrm>
             <a:off x="457199" y="1600200"/>
-            <a:ext cx="11305309" cy="4525963"/>
+            <a:ext cx="10956175" cy="4525963"/>
           </a:xfrm>
           <a:prstGeom prst="rect">
             <a:avLst/>
@@ -9970,24 +9920,44 @@
             </a:pPr>
             <a:r>
               <a:rPr lang="en-US" altLang="ko-KR" sz="2400" dirty="0"/>
-              <a:t>  7) </a:t>
+              <a:t>  6)</a:t>
             </a:r>
             <a:r>
               <a:rPr lang="ko-KR" altLang="en-US" sz="2400" dirty="0"/>
-              <a:t>정렬 </a:t>
-            </a:r>
-            <a:r>
-              <a:rPr lang="en-US" altLang="ko-KR" sz="2400" dirty="0"/>
-              <a:t>- </a:t>
-            </a:r>
-            <a:r>
-              <a:rPr lang="ko-KR" altLang="en-US" sz="2400" dirty="0"/>
-              <a:t>오름차순</a:t>
+              <a:t> 서브 쿼리</a:t>
             </a:r>
             <a:endParaRPr lang="en-US" altLang="ko-KR" sz="2400" dirty="0"/>
           </a:p>
           <a:p>
             <a:pPr marL="0" indent="0">
+              <a:buFont typeface="Arial" panose="020B0604020202020204" pitchFamily="34" charset="0"/>
+              <a:buNone/>
+            </a:pPr>
+            <a:r>
+              <a:rPr lang="en-US" altLang="ko-KR" sz="2000" dirty="0"/>
+              <a:t>    </a:t>
+            </a:r>
+            <a:r>
+              <a:rPr lang="ko-KR" altLang="en-US" sz="2000" dirty="0"/>
+              <a:t>가</a:t>
+            </a:r>
+            <a:r>
+              <a:rPr lang="en-US" altLang="ko-KR" sz="2000" dirty="0"/>
+              <a:t>) </a:t>
+            </a:r>
+            <a:r>
+              <a:rPr lang="ko-KR" altLang="en-US" sz="2000" dirty="0" err="1"/>
+              <a:t>컬럼형</a:t>
+            </a:r>
+            <a:r>
+              <a:rPr lang="ko-KR" altLang="en-US" sz="2000" dirty="0"/>
+              <a:t> 서브 쿼리</a:t>
+            </a:r>
+            <a:endParaRPr lang="en-US" altLang="ko-KR" sz="2000" dirty="0"/>
+          </a:p>
+          <a:p>
+            <a:pPr marL="0" indent="0">
+              <a:buFont typeface="Arial" panose="020B0604020202020204" pitchFamily="34" charset="0"/>
               <a:buNone/>
             </a:pPr>
             <a:r>
@@ -10018,13 +9988,51 @@
             </a:pPr>
             <a:r>
               <a:rPr lang="en-US" altLang="ko-KR" sz="1800" dirty="0"/>
-              <a:t>      from </a:t>
+              <a:t>             ,(Select B1.</a:t>
+            </a:r>
+            <a:r>
+              <a:rPr lang="ko-KR" altLang="en-US" sz="1800" dirty="0" err="1"/>
+              <a:t>컬럼명</a:t>
+            </a:r>
+            <a:r>
+              <a:rPr lang="ko-KR" altLang="en-US" sz="1800" dirty="0"/>
+              <a:t> </a:t>
+            </a:r>
+            <a:r>
+              <a:rPr lang="en-US" altLang="ko-KR" sz="1800" dirty="0"/>
+              <a:t>from </a:t>
             </a:r>
             <a:r>
               <a:rPr lang="ko-KR" altLang="en-US" sz="1800" dirty="0" err="1"/>
               <a:t>테이블명</a:t>
             </a:r>
             <a:r>
+              <a:rPr lang="en-US" altLang="ko-KR" sz="1800" dirty="0"/>
+              <a:t>B AS B1 where </a:t>
+            </a:r>
+            <a:r>
+              <a:rPr lang="ko-KR" altLang="en-US" sz="1800" dirty="0"/>
+              <a:t>조건</a:t>
+            </a:r>
+            <a:r>
+              <a:rPr lang="en-US" altLang="ko-KR" sz="1800" dirty="0"/>
+              <a:t>) AS new1</a:t>
+            </a:r>
+          </a:p>
+          <a:p>
+            <a:pPr marL="0" indent="0">
+              <a:buFont typeface="Arial" panose="020B0604020202020204" pitchFamily="34" charset="0"/>
+              <a:buNone/>
+            </a:pPr>
+            <a:r>
+              <a:rPr lang="en-US" altLang="ko-KR" sz="1800" dirty="0"/>
+              <a:t>       from </a:t>
+            </a:r>
+            <a:r>
+              <a:rPr lang="ko-KR" altLang="en-US" sz="1800" dirty="0" err="1"/>
+              <a:t>테이블명</a:t>
+            </a:r>
+            <a:r>
               <a:rPr lang="ko-KR" altLang="en-US" sz="1800" dirty="0"/>
               <a:t> </a:t>
             </a:r>
@@ -10053,29 +10061,6 @@
             <a:r>
               <a:rPr lang="ko-KR" altLang="en-US" sz="1800" dirty="0"/>
               <a:t>조건</a:t>
-            </a:r>
-            <a:endParaRPr lang="en-US" altLang="ko-KR" sz="1800" dirty="0"/>
-          </a:p>
-          <a:p>
-            <a:pPr marL="0" indent="0">
-              <a:buFont typeface="Arial" panose="020B0604020202020204" pitchFamily="34" charset="0"/>
-              <a:buNone/>
-            </a:pPr>
-            <a:r>
-              <a:rPr lang="en-US" altLang="ko-KR" sz="1800" dirty="0"/>
-              <a:t>     order by </a:t>
-            </a:r>
-            <a:r>
-              <a:rPr lang="ko-KR" altLang="en-US" sz="1800" dirty="0" err="1"/>
-              <a:t>컬럼명</a:t>
-            </a:r>
-            <a:r>
-              <a:rPr lang="ko-KR" altLang="en-US" sz="1800" dirty="0"/>
-              <a:t> </a:t>
-            </a:r>
-            <a:r>
-              <a:rPr lang="en-US" altLang="ko-KR" sz="1800" dirty="0" err="1"/>
-              <a:t>asc</a:t>
             </a:r>
             <a:r>
               <a:rPr lang="en-US" altLang="ko-KR" sz="1800" dirty="0"/>
@@ -10086,7 +10071,7 @@
       </p:sp>
       <p:pic>
         <p:nvPicPr>
-          <p:cNvPr id="4" name="그림 3"/>
+          <p:cNvPr id="2" name="그림 1"/>
           <p:cNvPicPr>
             <a:picLocks noChangeAspect="1"/>
           </p:cNvPicPr>
@@ -10100,8 +10085,8 @@
         </p:blipFill>
         <p:spPr>
           <a:xfrm>
-            <a:off x="4875939" y="3026494"/>
-            <a:ext cx="2991267" cy="3410426"/>
+            <a:off x="638167" y="1713186"/>
+            <a:ext cx="10517339" cy="4909005"/>
           </a:xfrm>
           <a:prstGeom prst="rect">
             <a:avLst/>
@@ -10111,7 +10096,7 @@
     </p:spTree>
     <p:extLst>
       <p:ext uri="{BB962C8B-B14F-4D97-AF65-F5344CB8AC3E}">
-        <p14:creationId xmlns:p14="http://schemas.microsoft.com/office/powerpoint/2010/main" val="1657242229"/>
+        <p14:creationId xmlns:p14="http://schemas.microsoft.com/office/powerpoint/2010/main" val="2469686695"/>
       </p:ext>
     </p:extLst>
   </p:cSld>
@@ -10395,19 +10380,11 @@
             </a:pPr>
             <a:r>
               <a:rPr lang="en-US" altLang="ko-KR" sz="2400" dirty="0"/>
-              <a:t>  8) </a:t>
+              <a:t>  6) </a:t>
             </a:r>
             <a:r>
               <a:rPr lang="ko-KR" altLang="en-US" sz="2400" dirty="0"/>
-              <a:t>정렬 </a:t>
-            </a:r>
-            <a:r>
-              <a:rPr lang="en-US" altLang="ko-KR" sz="2400" dirty="0"/>
-              <a:t>– </a:t>
-            </a:r>
-            <a:r>
-              <a:rPr lang="ko-KR" altLang="en-US" sz="2400" dirty="0"/>
-              <a:t>내림차순</a:t>
+              <a:t>서브 쿼리</a:t>
             </a:r>
             <a:endParaRPr lang="en-US" altLang="ko-KR" sz="2400" dirty="0"/>
           </a:p>
@@ -10417,7 +10394,33 @@
             </a:pPr>
             <a:r>
               <a:rPr lang="en-US" altLang="ko-KR" sz="1800" dirty="0"/>
-              <a:t>     Select </a:t>
+              <a:t>    </a:t>
+            </a:r>
+            <a:r>
+              <a:rPr lang="ko-KR" altLang="en-US" sz="1800" dirty="0"/>
+              <a:t>나</a:t>
+            </a:r>
+            <a:r>
+              <a:rPr lang="en-US" altLang="ko-KR" sz="1800" dirty="0"/>
+              <a:t>) </a:t>
+            </a:r>
+            <a:r>
+              <a:rPr lang="ko-KR" altLang="en-US" sz="1800" dirty="0" err="1"/>
+              <a:t>컬럼형</a:t>
+            </a:r>
+            <a:r>
+              <a:rPr lang="ko-KR" altLang="en-US" sz="1800" dirty="0"/>
+              <a:t> 서브 쿼리 </a:t>
+            </a:r>
+            <a:endParaRPr lang="en-US" altLang="ko-KR" sz="1800" dirty="0"/>
+          </a:p>
+          <a:p>
+            <a:pPr marL="0" indent="0">
+              <a:buNone/>
+            </a:pPr>
+            <a:r>
+              <a:rPr lang="en-US" altLang="ko-KR" sz="1800" dirty="0"/>
+              <a:t>    Select </a:t>
             </a:r>
             <a:r>
               <a:rPr lang="ko-KR" altLang="en-US" sz="1800" dirty="0" err="1"/>
@@ -10488,7 +10491,7 @@
             </a:pPr>
             <a:r>
               <a:rPr lang="en-US" altLang="ko-KR" sz="1800" dirty="0"/>
-              <a:t>     order by </a:t>
+              <a:t>        and A1.</a:t>
             </a:r>
             <a:r>
               <a:rPr lang="ko-KR" altLang="en-US" sz="1800" dirty="0" err="1"/>
@@ -10499,12 +10502,36 @@
               <a:t> </a:t>
             </a:r>
             <a:r>
-              <a:rPr lang="en-US" altLang="ko-KR" sz="1800" dirty="0" err="1"/>
-              <a:t>desc</a:t>
-            </a:r>
-            <a:r>
               <a:rPr lang="en-US" altLang="ko-KR" sz="1800" dirty="0"/>
-              <a:t>;</a:t>
+              <a:t>= (Select B1.</a:t>
+            </a:r>
+            <a:r>
+              <a:rPr lang="ko-KR" altLang="en-US" sz="1800" dirty="0" err="1"/>
+              <a:t>컬럼명</a:t>
+            </a:r>
+            <a:r>
+              <a:rPr lang="ko-KR" altLang="en-US" sz="1800" dirty="0"/>
+              <a:t> </a:t>
+            </a:r>
+            <a:r>
+              <a:rPr lang="en-US" altLang="ko-KR" sz="1800" dirty="0"/>
+              <a:t>from </a:t>
+            </a:r>
+            <a:r>
+              <a:rPr lang="ko-KR" altLang="en-US" sz="1800" dirty="0" err="1"/>
+              <a:t>테이블명</a:t>
+            </a:r>
+            <a:r>
+              <a:rPr lang="en-US" altLang="ko-KR" sz="1800" dirty="0"/>
+              <a:t>B AS B1 where </a:t>
+            </a:r>
+            <a:r>
+              <a:rPr lang="ko-KR" altLang="en-US" sz="1800" dirty="0"/>
+              <a:t>조건</a:t>
+            </a:r>
+            <a:r>
+              <a:rPr lang="en-US" altLang="ko-KR" sz="1800" dirty="0"/>
+              <a:t>);</a:t>
             </a:r>
           </a:p>
         </p:txBody>
@@ -10525,8 +10552,8 @@
         </p:blipFill>
         <p:spPr>
           <a:xfrm>
-            <a:off x="4552298" y="3040256"/>
-            <a:ext cx="3115110" cy="3458058"/>
+            <a:off x="765868" y="2606566"/>
+            <a:ext cx="11559544" cy="3159410"/>
           </a:xfrm>
           <a:prstGeom prst="rect">
             <a:avLst/>
@@ -10536,7 +10563,7 @@
     </p:spTree>
     <p:extLst>
       <p:ext uri="{BB962C8B-B14F-4D97-AF65-F5344CB8AC3E}">
-        <p14:creationId xmlns:p14="http://schemas.microsoft.com/office/powerpoint/2010/main" val="2514252981"/>
+        <p14:creationId xmlns:p14="http://schemas.microsoft.com/office/powerpoint/2010/main" val="3125178332"/>
       </p:ext>
     </p:extLst>
   </p:cSld>
@@ -10820,7 +10847,7 @@
             </a:pPr>
             <a:r>
               <a:rPr lang="en-US" altLang="ko-KR" sz="2400" dirty="0"/>
-              <a:t>  9) </a:t>
+              <a:t>  7) </a:t>
             </a:r>
             <a:r>
               <a:rPr lang="ko-KR" altLang="en-US" sz="2400" dirty="0"/>
@@ -10828,11 +10855,11 @@
             </a:r>
             <a:r>
               <a:rPr lang="en-US" altLang="ko-KR" sz="2400" dirty="0"/>
-              <a:t>– </a:t>
+              <a:t>- </a:t>
             </a:r>
             <a:r>
               <a:rPr lang="ko-KR" altLang="en-US" sz="2400" dirty="0"/>
-              <a:t>다중</a:t>
+              <a:t>오름차순</a:t>
             </a:r>
             <a:endParaRPr lang="en-US" altLang="ko-KR" sz="2400" dirty="0"/>
           </a:p>
@@ -10920,28 +10947,8 @@
               <a:t>컬럼명</a:t>
             </a:r>
             <a:r>
-              <a:rPr lang="en-US" altLang="ko-KR" sz="1800" dirty="0"/>
-              <a:t>1</a:t>
-            </a:r>
-            <a:r>
               <a:rPr lang="ko-KR" altLang="en-US" sz="1800" dirty="0"/>
               <a:t> </a:t>
-            </a:r>
-            <a:r>
-              <a:rPr lang="en-US" altLang="ko-KR" sz="1800" dirty="0" err="1"/>
-              <a:t>desc</a:t>
-            </a:r>
-            <a:r>
-              <a:rPr lang="en-US" altLang="ko-KR" sz="1800" dirty="0"/>
-              <a:t>, </a:t>
-            </a:r>
-            <a:r>
-              <a:rPr lang="ko-KR" altLang="en-US" sz="1800" dirty="0" err="1"/>
-              <a:t>컬럼명</a:t>
-            </a:r>
-            <a:r>
-              <a:rPr lang="en-US" altLang="ko-KR" sz="1800" dirty="0"/>
-              <a:t>2 </a:t>
             </a:r>
             <a:r>
               <a:rPr lang="en-US" altLang="ko-KR" sz="1800" dirty="0" err="1"/>
@@ -10970,8 +10977,8 @@
         </p:blipFill>
         <p:spPr>
           <a:xfrm>
-            <a:off x="5024506" y="2687158"/>
-            <a:ext cx="3696216" cy="3439005"/>
+            <a:off x="4875939" y="3026494"/>
+            <a:ext cx="2991267" cy="3410426"/>
           </a:xfrm>
           <a:prstGeom prst="rect">
             <a:avLst/>
@@ -10981,7 +10988,7 @@
     </p:spTree>
     <p:extLst>
       <p:ext uri="{BB962C8B-B14F-4D97-AF65-F5344CB8AC3E}">
-        <p14:creationId xmlns:p14="http://schemas.microsoft.com/office/powerpoint/2010/main" val="4170657797"/>
+        <p14:creationId xmlns:p14="http://schemas.microsoft.com/office/powerpoint/2010/main" val="1657242229"/>
       </p:ext>
     </p:extLst>
   </p:cSld>
@@ -11067,7 +11074,7 @@
       </p:sp>
       <p:sp>
         <p:nvSpPr>
-          <p:cNvPr id="7" name="내용 개체 틀 2"/>
+          <p:cNvPr id="3" name="내용 개체 틀 2"/>
           <p:cNvSpPr txBox="1">
             <a:spLocks/>
           </p:cNvSpPr>
@@ -11075,8 +11082,8 @@
         </p:nvSpPr>
         <p:spPr>
           <a:xfrm>
-            <a:off x="498765" y="1600200"/>
-            <a:ext cx="11222182" cy="4525963"/>
+            <a:off x="457199" y="1600200"/>
+            <a:ext cx="11305309" cy="4525963"/>
           </a:xfrm>
           <a:prstGeom prst="rect">
             <a:avLst/>
@@ -11254,52 +11261,78 @@
               <a:buNone/>
             </a:pPr>
             <a:r>
+              <a:rPr lang="en-US" altLang="ko-KR" dirty="0"/>
+              <a:t>1.Select</a:t>
+            </a:r>
+          </a:p>
+          <a:p>
+            <a:pPr marL="0" indent="0">
+              <a:buFont typeface="Arial" panose="020B0604020202020204" pitchFamily="34" charset="0"/>
+              <a:buNone/>
+            </a:pPr>
+            <a:r>
+              <a:rPr lang="en-US" altLang="ko-KR" sz="2400" dirty="0"/>
+              <a:t>  8) </a:t>
+            </a:r>
+            <a:r>
               <a:rPr lang="ko-KR" altLang="en-US" sz="2400" dirty="0"/>
-              <a:t>실습 </a:t>
+              <a:t>정렬 </a:t>
             </a:r>
             <a:r>
               <a:rPr lang="en-US" altLang="ko-KR" sz="2400" dirty="0"/>
-              <a:t>5. </a:t>
+              <a:t>– </a:t>
             </a:r>
             <a:r>
               <a:rPr lang="ko-KR" altLang="en-US" sz="2400" dirty="0"/>
-              <a:t>고객관리대장의 사람 중 상품권을 수령한 사람들의 </a:t>
-            </a:r>
-            <a:r>
-              <a:rPr lang="ko-KR" altLang="en-US" sz="2400" dirty="0" err="1"/>
-              <a:t>고객이름</a:t>
-            </a:r>
-            <a:r>
-              <a:rPr lang="en-US" altLang="ko-KR" sz="2400" dirty="0"/>
-              <a:t>,</a:t>
-            </a:r>
-            <a:r>
-              <a:rPr lang="ko-KR" altLang="en-US" sz="2400" dirty="0"/>
-              <a:t> 연락처</a:t>
-            </a:r>
-            <a:r>
-              <a:rPr lang="en-US" altLang="ko-KR" sz="2400" dirty="0"/>
+              <a:t>내림차순</a:t>
+            </a:r>
+            <a:endParaRPr lang="en-US" altLang="ko-KR" sz="2400" dirty="0"/>
+          </a:p>
+          <a:p>
+            <a:pPr marL="0" indent="0">
+              <a:buNone/>
+            </a:pPr>
+            <a:r>
+              <a:rPr lang="en-US" altLang="ko-KR" sz="1800" dirty="0"/>
+              <a:t>     Select </a:t>
+            </a:r>
+            <a:r>
+              <a:rPr lang="ko-KR" altLang="en-US" sz="1800" dirty="0" err="1"/>
+              <a:t>컬럼명</a:t>
+            </a:r>
+            <a:r>
+              <a:rPr lang="en-US" altLang="ko-KR" sz="1800" dirty="0"/>
               <a:t>, </a:t>
             </a:r>
             <a:r>
-              <a:rPr lang="ko-KR" altLang="en-US" sz="2400" dirty="0" smtClean="0"/>
-              <a:t>상품권</a:t>
-            </a:r>
-            <a:r>
-              <a:rPr lang="en-US" altLang="ko-KR" sz="2400" dirty="0" smtClean="0"/>
+              <a:rPr lang="ko-KR" altLang="en-US" sz="1800" dirty="0" err="1"/>
+              <a:t>컬럼명</a:t>
+            </a:r>
+            <a:r>
+              <a:rPr lang="en-US" altLang="ko-KR" sz="1800" dirty="0"/>
+              <a:t>…</a:t>
+            </a:r>
+          </a:p>
+          <a:p>
+            <a:pPr marL="0" indent="0">
+              <a:buFont typeface="Arial" panose="020B0604020202020204" pitchFamily="34" charset="0"/>
+              <a:buNone/>
+            </a:pPr>
+            <a:r>
+              <a:rPr lang="en-US" altLang="ko-KR" sz="1800" dirty="0"/>
+              <a:t>      from </a:t>
+            </a:r>
+            <a:r>
+              <a:rPr lang="ko-KR" altLang="en-US" sz="1800" dirty="0" err="1"/>
+              <a:t>테이블명</a:t>
+            </a:r>
+            <a:r>
+              <a:rPr lang="ko-KR" altLang="en-US" sz="1800" dirty="0"/>
               <a:t> </a:t>
             </a:r>
             <a:r>
-              <a:rPr lang="ko-KR" altLang="en-US" sz="2400" dirty="0" err="1"/>
-              <a:t>발급일자를</a:t>
-            </a:r>
-            <a:r>
-              <a:rPr lang="ko-KR" altLang="en-US" sz="2400" dirty="0"/>
-              <a:t> 출력 하시오</a:t>
-            </a:r>
-            <a:r>
-              <a:rPr lang="en-US" altLang="ko-KR" sz="2400" dirty="0"/>
-              <a:t>.</a:t>
+              <a:rPr lang="en-US" altLang="ko-KR" sz="1800" dirty="0"/>
+              <a:t>AS A1</a:t>
             </a:r>
           </a:p>
           <a:p>
@@ -11307,182 +11340,80 @@
               <a:buFont typeface="Arial" panose="020B0604020202020204" pitchFamily="34" charset="0"/>
               <a:buNone/>
             </a:pPr>
-            <a:endParaRPr lang="en-US" altLang="ko-KR" sz="2400" dirty="0"/>
+            <a:r>
+              <a:rPr lang="en-US" altLang="ko-KR" sz="1800" dirty="0"/>
+              <a:t>   </a:t>
+            </a:r>
+            <a:r>
+              <a:rPr lang="ko-KR" altLang="en-US" sz="1800" dirty="0"/>
+              <a:t> </a:t>
+            </a:r>
+            <a:r>
+              <a:rPr lang="en-US" altLang="ko-KR" sz="1800" dirty="0"/>
+              <a:t>Where </a:t>
+            </a:r>
+            <a:r>
+              <a:rPr lang="ko-KR" altLang="en-US" sz="1800" dirty="0"/>
+              <a:t>조건</a:t>
+            </a:r>
+            <a:endParaRPr lang="en-US" altLang="ko-KR" sz="1800" dirty="0"/>
           </a:p>
           <a:p>
             <a:pPr marL="0" indent="0">
-              <a:buNone/>
-            </a:pPr>
-            <a:r>
-              <a:rPr lang="ko-KR" altLang="en-US" sz="2400" dirty="0"/>
-              <a:t>실습 </a:t>
-            </a:r>
-            <a:r>
-              <a:rPr lang="en-US" altLang="ko-KR" sz="2400" dirty="0"/>
-              <a:t>6. </a:t>
-            </a:r>
-            <a:r>
-              <a:rPr lang="ko-KR" altLang="en-US" sz="2400" dirty="0"/>
-              <a:t>고객관리대장의 사람 중 상품권을 수령 하지 못한 사람들의 </a:t>
-            </a:r>
-            <a:r>
-              <a:rPr lang="ko-KR" altLang="en-US" sz="2400" dirty="0" err="1"/>
-              <a:t>고객이름</a:t>
-            </a:r>
-            <a:r>
-              <a:rPr lang="en-US" altLang="ko-KR" sz="2400" dirty="0"/>
-              <a:t>,</a:t>
-            </a:r>
-            <a:r>
-              <a:rPr lang="ko-KR" altLang="en-US" sz="2400" dirty="0"/>
-              <a:t> 연락처를 출력 하시오</a:t>
-            </a:r>
-            <a:r>
-              <a:rPr lang="en-US" altLang="ko-KR" sz="2400" dirty="0"/>
-              <a:t>.</a:t>
-            </a:r>
-          </a:p>
-          <a:p>
-            <a:pPr marL="0" indent="0">
-              <a:buFont typeface="Arial" panose="020B0604020202020204" pitchFamily="34" charset="0"/>
-              <a:buNone/>
-            </a:pPr>
-            <a:endParaRPr lang="en-US" altLang="ko-KR" sz="2400" dirty="0"/>
-          </a:p>
-          <a:p>
-            <a:pPr marL="0" indent="0">
-              <a:buNone/>
-            </a:pPr>
-            <a:r>
-              <a:rPr lang="ko-KR" altLang="en-US" sz="2400" dirty="0"/>
-              <a:t>실습 </a:t>
-            </a:r>
-            <a:r>
-              <a:rPr lang="en-US" altLang="ko-KR" sz="2400" dirty="0"/>
-              <a:t>7. </a:t>
-            </a:r>
-            <a:r>
-              <a:rPr lang="ko-KR" altLang="en-US" sz="2400" dirty="0"/>
-              <a:t>고객관리대장의 내용을 고객이름 내림차순으로 정렬하여 출력 </a:t>
-            </a:r>
-            <a:r>
-              <a:rPr lang="ko-KR" altLang="en-US" sz="2400" dirty="0" err="1"/>
-              <a:t>하시오</a:t>
-            </a:r>
-            <a:r>
-              <a:rPr lang="en-US" altLang="ko-KR" sz="2400" dirty="0"/>
-              <a:t>.</a:t>
-            </a:r>
-          </a:p>
-          <a:p>
-            <a:pPr marL="0" indent="0">
-              <a:buNone/>
-            </a:pPr>
-            <a:endParaRPr lang="en-US" altLang="ko-KR" sz="2400" dirty="0"/>
-          </a:p>
-          <a:p>
-            <a:pPr marL="0" indent="0">
-              <a:buNone/>
-            </a:pPr>
-            <a:r>
-              <a:rPr lang="ko-KR" altLang="en-US" sz="2400" dirty="0"/>
-              <a:t>실습 </a:t>
-            </a:r>
-            <a:r>
-              <a:rPr lang="en-US" altLang="ko-KR" sz="2400" dirty="0"/>
-              <a:t>8. </a:t>
-            </a:r>
-            <a:r>
-              <a:rPr lang="ko-KR" altLang="en-US" sz="2400" dirty="0"/>
-              <a:t>고객관리대장의 내용을 나이순서</a:t>
-            </a:r>
-            <a:r>
-              <a:rPr lang="en-US" altLang="ko-KR" sz="2400" dirty="0"/>
-              <a:t>(</a:t>
-            </a:r>
-            <a:r>
-              <a:rPr lang="ko-KR" altLang="en-US" sz="2400" dirty="0"/>
-              <a:t>오름차순</a:t>
-            </a:r>
-            <a:r>
-              <a:rPr lang="en-US" altLang="ko-KR" sz="2400" dirty="0"/>
-              <a:t>) </a:t>
-            </a:r>
-            <a:r>
-              <a:rPr lang="ko-KR" altLang="en-US" sz="2400" dirty="0"/>
-              <a:t>으로 정렬하여 출력 </a:t>
-            </a:r>
-            <a:r>
-              <a:rPr lang="ko-KR" altLang="en-US" sz="2400" dirty="0" err="1"/>
-              <a:t>하시오</a:t>
-            </a:r>
-            <a:r>
-              <a:rPr lang="en-US" altLang="ko-KR" sz="2400" dirty="0"/>
-              <a:t>.</a:t>
-            </a:r>
-          </a:p>
-          <a:p>
-            <a:pPr marL="0" indent="0">
-              <a:buFont typeface="Arial" panose="020B0604020202020204" pitchFamily="34" charset="0"/>
-              <a:buNone/>
-            </a:pPr>
-            <a:endParaRPr lang="en-US" altLang="ko-KR" sz="2400" dirty="0"/>
-          </a:p>
-          <a:p>
-            <a:pPr marL="0" indent="0">
-              <a:buFont typeface="Arial" panose="020B0604020202020204" pitchFamily="34" charset="0"/>
-              <a:buNone/>
-            </a:pPr>
-            <a:r>
-              <a:rPr lang="ko-KR" altLang="en-US" sz="2400" dirty="0"/>
-              <a:t>실습 </a:t>
-            </a:r>
-            <a:r>
-              <a:rPr lang="en-US" altLang="ko-KR" sz="2400" dirty="0"/>
-              <a:t>9. “</a:t>
-            </a:r>
-            <a:r>
-              <a:rPr lang="ko-KR" altLang="en-US" sz="2400" dirty="0"/>
-              <a:t>실습</a:t>
-            </a:r>
-            <a:r>
-              <a:rPr lang="en-US" altLang="ko-KR" sz="2400" dirty="0"/>
-              <a:t> 6”</a:t>
-            </a:r>
-            <a:r>
-              <a:rPr lang="ko-KR" altLang="en-US" sz="2400" dirty="0"/>
-              <a:t>의 결과를 </a:t>
-            </a:r>
-            <a:r>
-              <a:rPr lang="ko-KR" altLang="en-US" sz="2400" dirty="0" err="1"/>
-              <a:t>고객이름</a:t>
-            </a:r>
-            <a:r>
-              <a:rPr lang="ko-KR" altLang="en-US" sz="2400" dirty="0"/>
-              <a:t> 기준으로 내림차순 정렬 하시오</a:t>
-            </a:r>
-            <a:endParaRPr lang="en-US" altLang="ko-KR" sz="2400" dirty="0"/>
-          </a:p>
-          <a:p>
-            <a:pPr marL="0" indent="0">
-              <a:buFont typeface="Arial" panose="020B0604020202020204" pitchFamily="34" charset="0"/>
-              <a:buNone/>
-            </a:pPr>
-            <a:endParaRPr lang="en-US" altLang="ko-KR" sz="2400" dirty="0"/>
-          </a:p>
-          <a:p>
-            <a:pPr marL="0" indent="0">
-              <a:buFont typeface="Arial" panose="020B0604020202020204" pitchFamily="34" charset="0"/>
-              <a:buNone/>
-            </a:pPr>
-            <a:endParaRPr lang="en-US" altLang="ko-KR" sz="2400" dirty="0"/>
+              <a:buFont typeface="Arial" panose="020B0604020202020204" pitchFamily="34" charset="0"/>
+              <a:buNone/>
+            </a:pPr>
+            <a:r>
+              <a:rPr lang="en-US" altLang="ko-KR" sz="1800" dirty="0"/>
+              <a:t>     order by </a:t>
+            </a:r>
+            <a:r>
+              <a:rPr lang="ko-KR" altLang="en-US" sz="1800" dirty="0" err="1"/>
+              <a:t>컬럼명</a:t>
+            </a:r>
+            <a:r>
+              <a:rPr lang="ko-KR" altLang="en-US" sz="1800" dirty="0"/>
+              <a:t> </a:t>
+            </a:r>
+            <a:r>
+              <a:rPr lang="en-US" altLang="ko-KR" sz="1800" dirty="0" err="1"/>
+              <a:t>desc</a:t>
+            </a:r>
+            <a:r>
+              <a:rPr lang="en-US" altLang="ko-KR" sz="1800" dirty="0"/>
+              <a:t>;</a:t>
+            </a:r>
           </a:p>
         </p:txBody>
       </p:sp>
+      <p:pic>
+        <p:nvPicPr>
+          <p:cNvPr id="2" name="그림 1"/>
+          <p:cNvPicPr>
+            <a:picLocks noChangeAspect="1"/>
+          </p:cNvPicPr>
+          <p:nvPr/>
+        </p:nvPicPr>
+        <p:blipFill>
+          <a:blip r:embed="rId2"/>
+          <a:stretch>
+            <a:fillRect/>
+          </a:stretch>
+        </p:blipFill>
+        <p:spPr>
+          <a:xfrm>
+            <a:off x="4552298" y="3040256"/>
+            <a:ext cx="3115110" cy="3458058"/>
+          </a:xfrm>
+          <a:prstGeom prst="rect">
+            <a:avLst/>
+          </a:prstGeom>
+        </p:spPr>
+      </p:pic>
     </p:spTree>
     <p:extLst>
       <p:ext uri="{BB962C8B-B14F-4D97-AF65-F5344CB8AC3E}">
-        <p14:creationId xmlns:p14="http://schemas.microsoft.com/office/powerpoint/2010/main" val="708442363"/>
+        <p14:creationId xmlns:p14="http://schemas.microsoft.com/office/powerpoint/2010/main" val="2514252981"/>
       </p:ext>
     </p:extLst>
   </p:cSld>
@@ -11576,7 +11507,7 @@
         </p:nvSpPr>
         <p:spPr>
           <a:xfrm>
-            <a:off x="440573" y="1600200"/>
+            <a:off x="457199" y="1600200"/>
             <a:ext cx="11305309" cy="4525963"/>
           </a:xfrm>
           <a:prstGeom prst="rect">
@@ -11756,7 +11687,7 @@
             </a:pPr>
             <a:r>
               <a:rPr lang="en-US" altLang="ko-KR" dirty="0"/>
-              <a:t>2. Union</a:t>
+              <a:t>1.Select</a:t>
             </a:r>
           </a:p>
           <a:p>
@@ -11766,16 +11697,21 @@
             </a:pPr>
             <a:r>
               <a:rPr lang="en-US" altLang="ko-KR" sz="2400" dirty="0"/>
-              <a:t>  1) </a:t>
+              <a:t>  9) </a:t>
             </a:r>
             <a:r>
               <a:rPr lang="ko-KR" altLang="en-US" sz="2400" dirty="0"/>
-              <a:t>서로 다른 테이블의 </a:t>
+              <a:t>정렬 </a:t>
             </a:r>
             <a:r>
               <a:rPr lang="en-US" altLang="ko-KR" sz="2400" dirty="0"/>
-              <a:t>Union</a:t>
-            </a:r>
+              <a:t>– </a:t>
+            </a:r>
+            <a:r>
+              <a:rPr lang="ko-KR" altLang="en-US" sz="2400" dirty="0"/>
+              <a:t>다중</a:t>
+            </a:r>
+            <a:endParaRPr lang="en-US" altLang="ko-KR" sz="2400" dirty="0"/>
           </a:p>
           <a:p>
             <a:pPr marL="0" indent="0">
@@ -11791,7 +11727,7 @@
             </a:r>
             <a:r>
               <a:rPr lang="en-US" altLang="ko-KR" sz="1800" dirty="0"/>
-              <a:t>1, </a:t>
+              <a:t>, </a:t>
             </a:r>
             <a:r>
               <a:rPr lang="ko-KR" altLang="en-US" sz="1800" dirty="0" err="1"/>
@@ -11799,7 +11735,7 @@
             </a:r>
             <a:r>
               <a:rPr lang="en-US" altLang="ko-KR" sz="1800" dirty="0"/>
-              <a:t>2</a:t>
+              <a:t>…</a:t>
             </a:r>
           </a:p>
           <a:p>
@@ -11854,17 +11790,7 @@
             </a:pPr>
             <a:r>
               <a:rPr lang="en-US" altLang="ko-KR" sz="1800" dirty="0"/>
-              <a:t>     UNION</a:t>
-            </a:r>
-          </a:p>
-          <a:p>
-            <a:pPr marL="0" indent="0">
-              <a:buFont typeface="Arial" panose="020B0604020202020204" pitchFamily="34" charset="0"/>
-              <a:buNone/>
-            </a:pPr>
-            <a:r>
-              <a:rPr lang="en-US" altLang="ko-KR" sz="1800" dirty="0"/>
-              <a:t>     Select </a:t>
+              <a:t>     order by </a:t>
             </a:r>
             <a:r>
               <a:rPr lang="ko-KR" altLang="en-US" sz="1800" dirty="0" err="1"/>
@@ -11872,7 +11798,19 @@
             </a:r>
             <a:r>
               <a:rPr lang="en-US" altLang="ko-KR" sz="1800" dirty="0"/>
-              <a:t>1, </a:t>
+              <a:t>1</a:t>
+            </a:r>
+            <a:r>
+              <a:rPr lang="ko-KR" altLang="en-US" sz="1800" dirty="0"/>
+              <a:t> </a:t>
+            </a:r>
+            <a:r>
+              <a:rPr lang="en-US" altLang="ko-KR" sz="1800" dirty="0" err="1"/>
+              <a:t>desc</a:t>
+            </a:r>
+            <a:r>
+              <a:rPr lang="en-US" altLang="ko-KR" sz="1800" dirty="0"/>
+              <a:t>, </a:t>
             </a:r>
             <a:r>
               <a:rPr lang="ko-KR" altLang="en-US" sz="1800" dirty="0" err="1"/>
@@ -11880,43 +11818,11 @@
             </a:r>
             <a:r>
               <a:rPr lang="en-US" altLang="ko-KR" sz="1800" dirty="0"/>
-              <a:t>2</a:t>
-            </a:r>
-          </a:p>
-          <a:p>
-            <a:pPr marL="0" indent="0">
-              <a:buFont typeface="Arial" panose="020B0604020202020204" pitchFamily="34" charset="0"/>
-              <a:buNone/>
-            </a:pPr>
-            <a:r>
-              <a:rPr lang="en-US" altLang="ko-KR" sz="1800" dirty="0"/>
-              <a:t>       from </a:t>
-            </a:r>
-            <a:r>
-              <a:rPr lang="ko-KR" altLang="en-US" sz="1800" dirty="0" err="1"/>
-              <a:t>테이블명</a:t>
-            </a:r>
-            <a:r>
-              <a:rPr lang="ko-KR" altLang="en-US" sz="1800" dirty="0"/>
-              <a:t> </a:t>
-            </a:r>
-            <a:r>
-              <a:rPr lang="en-US" altLang="ko-KR" sz="1800" dirty="0"/>
-              <a:t>AS A2</a:t>
-            </a:r>
-          </a:p>
-          <a:p>
-            <a:pPr marL="0" indent="0">
-              <a:buFont typeface="Arial" panose="020B0604020202020204" pitchFamily="34" charset="0"/>
-              <a:buNone/>
-            </a:pPr>
-            <a:r>
-              <a:rPr lang="en-US" altLang="ko-KR" sz="1800" dirty="0"/>
-              <a:t>    Where </a:t>
-            </a:r>
-            <a:r>
-              <a:rPr lang="ko-KR" altLang="en-US" sz="1800" dirty="0"/>
-              <a:t>조건</a:t>
+              <a:t>2 </a:t>
+            </a:r>
+            <a:r>
+              <a:rPr lang="en-US" altLang="ko-KR" sz="1800" dirty="0" err="1"/>
+              <a:t>asc</a:t>
             </a:r>
             <a:r>
               <a:rPr lang="en-US" altLang="ko-KR" sz="1800" dirty="0"/>
@@ -11941,8 +11847,8 @@
         </p:blipFill>
         <p:spPr>
           <a:xfrm>
-            <a:off x="6095999" y="1724115"/>
-            <a:ext cx="2400635" cy="4906060"/>
+            <a:off x="5024506" y="2687158"/>
+            <a:ext cx="3696216" cy="3439005"/>
           </a:xfrm>
           <a:prstGeom prst="rect">
             <a:avLst/>
@@ -11952,7 +11858,7 @@
     </p:spTree>
     <p:extLst>
       <p:ext uri="{BB962C8B-B14F-4D97-AF65-F5344CB8AC3E}">
-        <p14:creationId xmlns:p14="http://schemas.microsoft.com/office/powerpoint/2010/main" val="246728377"/>
+        <p14:creationId xmlns:p14="http://schemas.microsoft.com/office/powerpoint/2010/main" val="4170657797"/>
       </p:ext>
     </p:extLst>
   </p:cSld>
@@ -12038,7 +11944,7 @@
       </p:sp>
       <p:sp>
         <p:nvSpPr>
-          <p:cNvPr id="3" name="내용 개체 틀 2"/>
+          <p:cNvPr id="7" name="내용 개체 틀 2"/>
           <p:cNvSpPr txBox="1">
             <a:spLocks/>
           </p:cNvSpPr>
@@ -12046,8 +11952,8 @@
         </p:nvSpPr>
         <p:spPr>
           <a:xfrm>
-            <a:off x="440573" y="1600200"/>
-            <a:ext cx="11305309" cy="4525963"/>
+            <a:off x="498765" y="1600200"/>
+            <a:ext cx="11222182" cy="4525963"/>
           </a:xfrm>
           <a:prstGeom prst="rect">
             <a:avLst/>
@@ -12225,8 +12131,52 @@
               <a:buNone/>
             </a:pPr>
             <a:r>
-              <a:rPr lang="en-US" altLang="ko-KR" dirty="0"/>
-              <a:t>2. Union</a:t>
+              <a:rPr lang="ko-KR" altLang="en-US" sz="2400" dirty="0"/>
+              <a:t>실습 </a:t>
+            </a:r>
+            <a:r>
+              <a:rPr lang="en-US" altLang="ko-KR" sz="2400" dirty="0"/>
+              <a:t>5. </a:t>
+            </a:r>
+            <a:r>
+              <a:rPr lang="ko-KR" altLang="en-US" sz="2400" dirty="0"/>
+              <a:t>고객관리대장의 사람 중 상품권을 수령한 사람들의 </a:t>
+            </a:r>
+            <a:r>
+              <a:rPr lang="ko-KR" altLang="en-US" sz="2400" dirty="0" err="1"/>
+              <a:t>고객이름</a:t>
+            </a:r>
+            <a:r>
+              <a:rPr lang="en-US" altLang="ko-KR" sz="2400" dirty="0"/>
+              <a:t>,</a:t>
+            </a:r>
+            <a:r>
+              <a:rPr lang="ko-KR" altLang="en-US" sz="2400" dirty="0"/>
+              <a:t> 연락처</a:t>
+            </a:r>
+            <a:r>
+              <a:rPr lang="en-US" altLang="ko-KR" sz="2400" dirty="0"/>
+              <a:t>, </a:t>
+            </a:r>
+            <a:r>
+              <a:rPr lang="ko-KR" altLang="en-US" sz="2400" dirty="0" smtClean="0"/>
+              <a:t>상품권</a:t>
+            </a:r>
+            <a:r>
+              <a:rPr lang="en-US" altLang="ko-KR" sz="2400" dirty="0" smtClean="0"/>
+              <a:t> </a:t>
+            </a:r>
+            <a:r>
+              <a:rPr lang="ko-KR" altLang="en-US" sz="2400" dirty="0" err="1"/>
+              <a:t>발급일자를</a:t>
+            </a:r>
+            <a:r>
+              <a:rPr lang="ko-KR" altLang="en-US" sz="2400" dirty="0"/>
+              <a:t> 출력 하시오</a:t>
+            </a:r>
+            <a:r>
+              <a:rPr lang="en-US" altLang="ko-KR" sz="2400" dirty="0"/>
+              <a:t>.</a:t>
             </a:r>
           </a:p>
           <a:p>
@@ -12234,97 +12184,118 @@
               <a:buFont typeface="Arial" panose="020B0604020202020204" pitchFamily="34" charset="0"/>
               <a:buNone/>
             </a:pPr>
+            <a:endParaRPr lang="en-US" altLang="ko-KR" sz="2400" dirty="0"/>
+          </a:p>
+          <a:p>
+            <a:pPr marL="0" indent="0">
+              <a:buNone/>
+            </a:pPr>
+            <a:r>
+              <a:rPr lang="ko-KR" altLang="en-US" sz="2400" dirty="0"/>
+              <a:t>실습 </a:t>
+            </a:r>
             <a:r>
               <a:rPr lang="en-US" altLang="ko-KR" sz="2400" dirty="0"/>
-              <a:t>  2) </a:t>
+              <a:t>6. </a:t>
             </a:r>
             <a:r>
               <a:rPr lang="ko-KR" altLang="en-US" sz="2400" dirty="0"/>
-              <a:t>동일 테이블의 </a:t>
+              <a:t>고객관리대장의 사람 중 상품권을 수령 하지 못한 사람들의 </a:t>
+            </a:r>
+            <a:r>
+              <a:rPr lang="ko-KR" altLang="en-US" sz="2400" dirty="0" err="1"/>
+              <a:t>고객이름</a:t>
             </a:r>
             <a:r>
               <a:rPr lang="en-US" altLang="ko-KR" sz="2400" dirty="0"/>
-              <a:t>Union</a:t>
+              <a:t>,</a:t>
+            </a:r>
+            <a:r>
+              <a:rPr lang="ko-KR" altLang="en-US" sz="2400" dirty="0"/>
+              <a:t> 연락처를 출력 하시오</a:t>
+            </a:r>
+            <a:r>
+              <a:rPr lang="en-US" altLang="ko-KR" sz="2400" dirty="0"/>
+              <a:t>.</a:t>
             </a:r>
           </a:p>
           <a:p>
             <a:pPr marL="0" indent="0">
-              <a:buNone/>
-            </a:pPr>
-            <a:r>
-              <a:rPr lang="en-US" altLang="ko-KR" sz="1800" dirty="0"/>
-              <a:t>     Select </a:t>
-            </a:r>
-            <a:r>
-              <a:rPr lang="ko-KR" altLang="en-US" sz="1800" dirty="0" err="1"/>
-              <a:t>컬럼명</a:t>
-            </a:r>
-            <a:r>
-              <a:rPr lang="en-US" altLang="ko-KR" sz="1800" dirty="0"/>
-              <a:t>1, </a:t>
-            </a:r>
-            <a:r>
-              <a:rPr lang="ko-KR" altLang="en-US" sz="1800" dirty="0" err="1"/>
-              <a:t>컬럼명</a:t>
-            </a:r>
-            <a:r>
-              <a:rPr lang="en-US" altLang="ko-KR" sz="1800" dirty="0"/>
-              <a:t>2</a:t>
-            </a:r>
+              <a:buFont typeface="Arial" panose="020B0604020202020204" pitchFamily="34" charset="0"/>
+              <a:buNone/>
+            </a:pPr>
+            <a:endParaRPr lang="en-US" altLang="ko-KR" sz="2400" dirty="0"/>
           </a:p>
           <a:p>
             <a:pPr marL="0" indent="0">
-              <a:buFont typeface="Arial" panose="020B0604020202020204" pitchFamily="34" charset="0"/>
-              <a:buNone/>
-            </a:pPr>
-            <a:r>
-              <a:rPr lang="en-US" altLang="ko-KR" sz="1800" dirty="0"/>
-              <a:t>      from </a:t>
-            </a:r>
-            <a:r>
-              <a:rPr lang="ko-KR" altLang="en-US" sz="1800" dirty="0" err="1"/>
-              <a:t>테이블명</a:t>
-            </a:r>
-            <a:r>
-              <a:rPr lang="ko-KR" altLang="en-US" sz="1800" dirty="0"/>
-              <a:t> </a:t>
-            </a:r>
-            <a:r>
-              <a:rPr lang="en-US" altLang="ko-KR" sz="1800" dirty="0"/>
-              <a:t>AS A1</a:t>
+              <a:buNone/>
+            </a:pPr>
+            <a:r>
+              <a:rPr lang="ko-KR" altLang="en-US" sz="2400" dirty="0"/>
+              <a:t>실습 </a:t>
+            </a:r>
+            <a:r>
+              <a:rPr lang="en-US" altLang="ko-KR" sz="2400" dirty="0"/>
+              <a:t>7. </a:t>
+            </a:r>
+            <a:r>
+              <a:rPr lang="ko-KR" altLang="en-US" sz="2400" dirty="0"/>
+              <a:t>고객관리대장의 내용을 고객이름 내림차순으로 정렬하여 출력 </a:t>
+            </a:r>
+            <a:r>
+              <a:rPr lang="ko-KR" altLang="en-US" sz="2400" dirty="0" err="1"/>
+              <a:t>하시오</a:t>
+            </a:r>
+            <a:r>
+              <a:rPr lang="en-US" altLang="ko-KR" sz="2400" dirty="0"/>
+              <a:t>.</a:t>
             </a:r>
           </a:p>
           <a:p>
             <a:pPr marL="0" indent="0">
-              <a:buFont typeface="Arial" panose="020B0604020202020204" pitchFamily="34" charset="0"/>
-              <a:buNone/>
-            </a:pPr>
-            <a:r>
-              <a:rPr lang="en-US" altLang="ko-KR" sz="1800" dirty="0"/>
-              <a:t>   </a:t>
-            </a:r>
-            <a:r>
-              <a:rPr lang="ko-KR" altLang="en-US" sz="1800" dirty="0"/>
-              <a:t> </a:t>
-            </a:r>
-            <a:r>
-              <a:rPr lang="en-US" altLang="ko-KR" sz="1800" dirty="0"/>
-              <a:t>Where </a:t>
-            </a:r>
-            <a:r>
-              <a:rPr lang="ko-KR" altLang="en-US" sz="1800" dirty="0"/>
-              <a:t>조건</a:t>
-            </a:r>
-            <a:endParaRPr lang="en-US" altLang="ko-KR" sz="1800" dirty="0"/>
+              <a:buNone/>
+            </a:pPr>
+            <a:endParaRPr lang="en-US" altLang="ko-KR" sz="2400" dirty="0"/>
           </a:p>
           <a:p>
             <a:pPr marL="0" indent="0">
-              <a:buFont typeface="Arial" panose="020B0604020202020204" pitchFamily="34" charset="0"/>
-              <a:buNone/>
-            </a:pPr>
-            <a:r>
-              <a:rPr lang="en-US" altLang="ko-KR" sz="1800" dirty="0"/>
-              <a:t>     UNION</a:t>
+              <a:buNone/>
+            </a:pPr>
+            <a:r>
+              <a:rPr lang="ko-KR" altLang="en-US" sz="2400" dirty="0"/>
+              <a:t>실습 </a:t>
+            </a:r>
+            <a:r>
+              <a:rPr lang="en-US" altLang="ko-KR" sz="2400" dirty="0"/>
+              <a:t>8. </a:t>
+            </a:r>
+            <a:r>
+              <a:rPr lang="ko-KR" altLang="en-US" sz="2400" dirty="0"/>
+              <a:t>고객관리대장의 내용을 나이순서</a:t>
+            </a:r>
+            <a:r>
+              <a:rPr lang="en-US" altLang="ko-KR" sz="2400" dirty="0"/>
+              <a:t>(</a:t>
+            </a:r>
+            <a:r>
+              <a:rPr lang="ko-KR" altLang="en-US" sz="2400" dirty="0"/>
+              <a:t>오름차순</a:t>
+            </a:r>
+            <a:r>
+              <a:rPr lang="en-US" altLang="ko-KR" sz="2400" dirty="0"/>
+              <a:t>) </a:t>
+            </a:r>
+            <a:r>
+              <a:rPr lang="ko-KR" altLang="en-US" sz="2400" dirty="0"/>
+              <a:t>으로 정렬하여 출력 </a:t>
+            </a:r>
+            <a:r>
+              <a:rPr lang="ko-KR" altLang="en-US" sz="2400" dirty="0" err="1"/>
+              <a:t>하시오</a:t>
+            </a:r>
+            <a:r>
+              <a:rPr lang="en-US" altLang="ko-KR" sz="2400" dirty="0"/>
+              <a:t>.</a:t>
             </a:r>
           </a:p>
           <a:p>
@@ -12332,95 +12303,63 @@
               <a:buFont typeface="Arial" panose="020B0604020202020204" pitchFamily="34" charset="0"/>
               <a:buNone/>
             </a:pPr>
-            <a:r>
-              <a:rPr lang="en-US" altLang="ko-KR" sz="1800" dirty="0"/>
-              <a:t>     Select </a:t>
-            </a:r>
-            <a:r>
-              <a:rPr lang="ko-KR" altLang="en-US" sz="1800" dirty="0" err="1"/>
-              <a:t>컬럼명</a:t>
-            </a:r>
-            <a:r>
-              <a:rPr lang="en-US" altLang="ko-KR" sz="1800" dirty="0"/>
-              <a:t>1, </a:t>
-            </a:r>
-            <a:r>
-              <a:rPr lang="ko-KR" altLang="en-US" sz="1800" dirty="0" err="1"/>
-              <a:t>컬럼명</a:t>
-            </a:r>
-            <a:r>
-              <a:rPr lang="en-US" altLang="ko-KR" sz="1800" dirty="0"/>
-              <a:t>2</a:t>
-            </a:r>
+            <a:endParaRPr lang="en-US" altLang="ko-KR" sz="2400" dirty="0"/>
           </a:p>
           <a:p>
             <a:pPr marL="0" indent="0">
-              <a:buNone/>
-            </a:pPr>
-            <a:r>
-              <a:rPr lang="en-US" altLang="ko-KR" sz="1800" dirty="0"/>
-              <a:t>      from </a:t>
-            </a:r>
-            <a:r>
-              <a:rPr lang="ko-KR" altLang="en-US" sz="1800" dirty="0" err="1"/>
-              <a:t>테이블명</a:t>
-            </a:r>
-            <a:r>
-              <a:rPr lang="ko-KR" altLang="en-US" sz="1800" dirty="0"/>
-              <a:t> </a:t>
-            </a:r>
-            <a:r>
-              <a:rPr lang="en-US" altLang="ko-KR" sz="1800" dirty="0"/>
-              <a:t>AS A1</a:t>
-            </a:r>
+              <a:buFont typeface="Arial" panose="020B0604020202020204" pitchFamily="34" charset="0"/>
+              <a:buNone/>
+            </a:pPr>
+            <a:r>
+              <a:rPr lang="ko-KR" altLang="en-US" sz="2400" dirty="0"/>
+              <a:t>실습 </a:t>
+            </a:r>
+            <a:r>
+              <a:rPr lang="en-US" altLang="ko-KR" sz="2400" dirty="0"/>
+              <a:t>9. “</a:t>
+            </a:r>
+            <a:r>
+              <a:rPr lang="ko-KR" altLang="en-US" sz="2400" dirty="0"/>
+              <a:t>실습</a:t>
+            </a:r>
+            <a:r>
+              <a:rPr lang="en-US" altLang="ko-KR" sz="2400" dirty="0"/>
+              <a:t> 6”</a:t>
+            </a:r>
+            <a:r>
+              <a:rPr lang="ko-KR" altLang="en-US" sz="2400" dirty="0"/>
+              <a:t>의 결과를 </a:t>
+            </a:r>
+            <a:r>
+              <a:rPr lang="ko-KR" altLang="en-US" sz="2400" dirty="0" err="1"/>
+              <a:t>고객이름</a:t>
+            </a:r>
+            <a:r>
+              <a:rPr lang="ko-KR" altLang="en-US" sz="2400" dirty="0"/>
+              <a:t> 기준으로 내림차순 정렬 하시오</a:t>
+            </a:r>
+            <a:endParaRPr lang="en-US" altLang="ko-KR" sz="2400" dirty="0"/>
           </a:p>
           <a:p>
             <a:pPr marL="0" indent="0">
-              <a:buNone/>
-            </a:pPr>
-            <a:r>
-              <a:rPr lang="en-US" altLang="ko-KR" sz="1800" dirty="0"/>
-              <a:t>    Where </a:t>
-            </a:r>
-            <a:r>
-              <a:rPr lang="ko-KR" altLang="en-US" sz="1800" dirty="0"/>
-              <a:t>조건</a:t>
-            </a:r>
-            <a:r>
-              <a:rPr lang="en-US" altLang="ko-KR" sz="1800" dirty="0"/>
-              <a:t>;</a:t>
-            </a:r>
+              <a:buFont typeface="Arial" panose="020B0604020202020204" pitchFamily="34" charset="0"/>
+              <a:buNone/>
+            </a:pPr>
+            <a:endParaRPr lang="en-US" altLang="ko-KR" sz="2400" dirty="0"/>
+          </a:p>
+          <a:p>
+            <a:pPr marL="0" indent="0">
+              <a:buFont typeface="Arial" panose="020B0604020202020204" pitchFamily="34" charset="0"/>
+              <a:buNone/>
+            </a:pPr>
+            <a:endParaRPr lang="en-US" altLang="ko-KR" sz="2400" dirty="0"/>
           </a:p>
         </p:txBody>
       </p:sp>
-      <p:pic>
-        <p:nvPicPr>
-          <p:cNvPr id="2" name="그림 1"/>
-          <p:cNvPicPr>
-            <a:picLocks noChangeAspect="1"/>
-          </p:cNvPicPr>
-          <p:nvPr/>
-        </p:nvPicPr>
-        <p:blipFill>
-          <a:blip r:embed="rId2"/>
-          <a:stretch>
-            <a:fillRect/>
-          </a:stretch>
-        </p:blipFill>
-        <p:spPr>
-          <a:xfrm>
-            <a:off x="4664230" y="349930"/>
-            <a:ext cx="3923709" cy="6765573"/>
-          </a:xfrm>
-          <a:prstGeom prst="rect">
-            <a:avLst/>
-          </a:prstGeom>
-        </p:spPr>
-      </p:pic>
     </p:spTree>
     <p:extLst>
       <p:ext uri="{BB962C8B-B14F-4D97-AF65-F5344CB8AC3E}">
-        <p14:creationId xmlns:p14="http://schemas.microsoft.com/office/powerpoint/2010/main" val="1446148377"/>
+        <p14:creationId xmlns:p14="http://schemas.microsoft.com/office/powerpoint/2010/main" val="708442363"/>
       </p:ext>
     </p:extLst>
   </p:cSld>
@@ -12506,7 +12445,7 @@
       </p:sp>
       <p:sp>
         <p:nvSpPr>
-          <p:cNvPr id="7" name="내용 개체 틀 2"/>
+          <p:cNvPr id="3" name="내용 개체 틀 2"/>
           <p:cNvSpPr txBox="1">
             <a:spLocks/>
           </p:cNvSpPr>
@@ -12514,8 +12453,8 @@
         </p:nvSpPr>
         <p:spPr>
           <a:xfrm>
-            <a:off x="498765" y="1600200"/>
-            <a:ext cx="11222182" cy="4525963"/>
+            <a:off x="440573" y="1600200"/>
+            <a:ext cx="11305309" cy="4525963"/>
           </a:xfrm>
           <a:prstGeom prst="rect">
             <a:avLst/>
@@ -12693,40 +12632,73 @@
               <a:buNone/>
             </a:pPr>
             <a:r>
+              <a:rPr lang="en-US" altLang="ko-KR" dirty="0"/>
+              <a:t>2. Union</a:t>
+            </a:r>
+          </a:p>
+          <a:p>
+            <a:pPr marL="0" indent="0">
+              <a:buFont typeface="Arial" panose="020B0604020202020204" pitchFamily="34" charset="0"/>
+              <a:buNone/>
+            </a:pPr>
+            <a:r>
+              <a:rPr lang="en-US" altLang="ko-KR" sz="2400" dirty="0"/>
+              <a:t>  1) </a:t>
+            </a:r>
+            <a:r>
               <a:rPr lang="ko-KR" altLang="en-US" sz="2400" dirty="0"/>
-              <a:t>실습 </a:t>
+              <a:t>서로 다른 테이블의 </a:t>
             </a:r>
             <a:r>
               <a:rPr lang="en-US" altLang="ko-KR" sz="2400" dirty="0"/>
-              <a:t>10. </a:t>
-            </a:r>
-            <a:r>
-              <a:rPr lang="ko-KR" altLang="en-US" sz="2400" dirty="0"/>
-              <a:t>상품권 발급 대장 테이블을 두 번 사용하여 </a:t>
-            </a:r>
-            <a:r>
-              <a:rPr lang="en-US" altLang="ko-KR" sz="2400" dirty="0" err="1"/>
-              <a:t>c_id</a:t>
-            </a:r>
-            <a:r>
-              <a:rPr lang="en-US" altLang="ko-KR" sz="2400" dirty="0"/>
+              <a:t>Union</a:t>
+            </a:r>
+          </a:p>
+          <a:p>
+            <a:pPr marL="0" indent="0">
+              <a:buNone/>
+            </a:pPr>
+            <a:r>
+              <a:rPr lang="en-US" altLang="ko-KR" sz="1800" dirty="0"/>
+              <a:t>     Select </a:t>
+            </a:r>
+            <a:r>
+              <a:rPr lang="ko-KR" altLang="en-US" sz="1800" dirty="0" err="1"/>
+              <a:t>컬럼명</a:t>
+            </a:r>
+            <a:r>
+              <a:rPr lang="en-US" altLang="ko-KR" sz="1800" dirty="0"/>
+              <a:t>1, </a:t>
+            </a:r>
+            <a:r>
+              <a:rPr lang="ko-KR" altLang="en-US" sz="1800" dirty="0" err="1"/>
+              <a:t>컬럼명</a:t>
+            </a:r>
+            <a:r>
+              <a:rPr lang="en-US" altLang="ko-KR" sz="1800" dirty="0"/>
+              <a:t>2</a:t>
+            </a:r>
+          </a:p>
+          <a:p>
+            <a:pPr marL="0" indent="0">
+              <a:buFont typeface="Arial" panose="020B0604020202020204" pitchFamily="34" charset="0"/>
+              <a:buNone/>
+            </a:pPr>
+            <a:r>
+              <a:rPr lang="en-US" altLang="ko-KR" sz="1800" dirty="0"/>
+              <a:t>      from </a:t>
+            </a:r>
+            <a:r>
+              <a:rPr lang="ko-KR" altLang="en-US" sz="1800" dirty="0" err="1"/>
+              <a:t>테이블명</a:t>
+            </a:r>
+            <a:r>
+              <a:rPr lang="ko-KR" altLang="en-US" sz="1800" dirty="0"/>
               <a:t> </a:t>
             </a:r>
             <a:r>
-              <a:rPr lang="ko-KR" altLang="en-US" sz="2400" dirty="0"/>
-              <a:t>컬럼만 </a:t>
-            </a:r>
-            <a:r>
-              <a:rPr lang="en-US" altLang="ko-KR" sz="2400" dirty="0"/>
-              <a:t>union </a:t>
-            </a:r>
-            <a:r>
-              <a:rPr lang="ko-KR" altLang="en-US" sz="2400" dirty="0"/>
-              <a:t>시키고 결과를 확인 하시오</a:t>
-            </a:r>
-            <a:r>
-              <a:rPr lang="en-US" altLang="ko-KR" sz="2400" dirty="0"/>
-              <a:t>.</a:t>
+              <a:rPr lang="en-US" altLang="ko-KR" sz="1800" dirty="0"/>
+              <a:t>AS A1</a:t>
             </a:r>
           </a:p>
           <a:p>
@@ -12734,7 +12706,23 @@
               <a:buFont typeface="Arial" panose="020B0604020202020204" pitchFamily="34" charset="0"/>
               <a:buNone/>
             </a:pPr>
-            <a:endParaRPr lang="en-US" altLang="ko-KR" sz="2400" dirty="0"/>
+            <a:r>
+              <a:rPr lang="en-US" altLang="ko-KR" sz="1800" dirty="0"/>
+              <a:t>   </a:t>
+            </a:r>
+            <a:r>
+              <a:rPr lang="ko-KR" altLang="en-US" sz="1800" dirty="0"/>
+              <a:t> </a:t>
+            </a:r>
+            <a:r>
+              <a:rPr lang="en-US" altLang="ko-KR" sz="1800" dirty="0"/>
+              <a:t>Where </a:t>
+            </a:r>
+            <a:r>
+              <a:rPr lang="ko-KR" altLang="en-US" sz="1800" dirty="0"/>
+              <a:t>조건</a:t>
+            </a:r>
+            <a:endParaRPr lang="en-US" altLang="ko-KR" sz="1800" dirty="0"/>
           </a:p>
           <a:p>
             <a:pPr marL="0" indent="0">
@@ -12742,80 +12730,8 @@
               <a:buNone/>
             </a:pPr>
             <a:r>
-              <a:rPr lang="ko-KR" altLang="en-US" sz="2400" dirty="0"/>
-              <a:t>실습 </a:t>
-            </a:r>
-            <a:r>
-              <a:rPr lang="en-US" altLang="ko-KR" sz="2400" dirty="0"/>
-              <a:t>11. “</a:t>
-            </a:r>
-            <a:r>
-              <a:rPr lang="ko-KR" altLang="en-US" sz="2400" dirty="0"/>
-              <a:t>실습 </a:t>
-            </a:r>
-            <a:r>
-              <a:rPr lang="en-US" altLang="ko-KR" sz="2400" dirty="0"/>
-              <a:t>10”</a:t>
-            </a:r>
-            <a:r>
-              <a:rPr lang="ko-KR" altLang="en-US" sz="2400" dirty="0"/>
-              <a:t>에 첫번째 </a:t>
-            </a:r>
-            <a:r>
-              <a:rPr lang="en-US" altLang="ko-KR" sz="2400" dirty="0"/>
-              <a:t>select</a:t>
-            </a:r>
-            <a:r>
-              <a:rPr lang="ko-KR" altLang="en-US" sz="2400" dirty="0"/>
-              <a:t>문에는 </a:t>
-            </a:r>
-            <a:r>
-              <a:rPr lang="en-US" altLang="ko-KR" sz="2400" dirty="0"/>
-              <a:t>‘1</a:t>
-            </a:r>
-            <a:r>
-              <a:rPr lang="ko-KR" altLang="en-US" sz="2400" dirty="0"/>
-              <a:t>번</a:t>
-            </a:r>
-            <a:r>
-              <a:rPr lang="en-US" altLang="ko-KR" sz="2400" dirty="0"/>
-              <a:t>‘ </a:t>
-            </a:r>
-            <a:r>
-              <a:rPr lang="ko-KR" altLang="en-US" sz="2400" dirty="0"/>
-              <a:t>이라는 내용의 컬럼을 두번째 </a:t>
-            </a:r>
-            <a:r>
-              <a:rPr lang="en-US" altLang="ko-KR" sz="2400" dirty="0"/>
-              <a:t>select</a:t>
-            </a:r>
-            <a:r>
-              <a:rPr lang="ko-KR" altLang="en-US" sz="2400" dirty="0"/>
-              <a:t>문에는 </a:t>
-            </a:r>
-            <a:r>
-              <a:rPr lang="en-US" altLang="ko-KR" sz="2400" dirty="0"/>
-              <a:t>‘2</a:t>
-            </a:r>
-            <a:r>
-              <a:rPr lang="ko-KR" altLang="en-US" sz="2400" dirty="0"/>
-              <a:t>번</a:t>
-            </a:r>
-            <a:r>
-              <a:rPr lang="en-US" altLang="ko-KR" sz="2400" dirty="0"/>
-              <a:t>’</a:t>
-            </a:r>
-            <a:r>
-              <a:rPr lang="ko-KR" altLang="en-US" sz="2400" dirty="0"/>
-              <a:t>이라는 내용의 컬럼을 추가하여 결과를 확인 </a:t>
-            </a:r>
-            <a:r>
-              <a:rPr lang="ko-KR" altLang="en-US" sz="2400" dirty="0" err="1"/>
-              <a:t>하시오</a:t>
-            </a:r>
-            <a:r>
-              <a:rPr lang="en-US" altLang="ko-KR" sz="2400" dirty="0"/>
-              <a:t>.</a:t>
+              <a:rPr lang="en-US" altLang="ko-KR" sz="1800" dirty="0"/>
+              <a:t>     UNION</a:t>
             </a:r>
           </a:p>
           <a:p>
@@ -12823,7 +12739,26 @@
               <a:buFont typeface="Arial" panose="020B0604020202020204" pitchFamily="34" charset="0"/>
               <a:buNone/>
             </a:pPr>
-            <a:endParaRPr lang="en-US" altLang="ko-KR" sz="2400" dirty="0"/>
+            <a:r>
+              <a:rPr lang="en-US" altLang="ko-KR" sz="1800" dirty="0"/>
+              <a:t>     Select </a:t>
+            </a:r>
+            <a:r>
+              <a:rPr lang="ko-KR" altLang="en-US" sz="1800" dirty="0" err="1"/>
+              <a:t>컬럼명</a:t>
+            </a:r>
+            <a:r>
+              <a:rPr lang="en-US" altLang="ko-KR" sz="1800" dirty="0"/>
+              <a:t>1, </a:t>
+            </a:r>
+            <a:r>
+              <a:rPr lang="ko-KR" altLang="en-US" sz="1800" dirty="0" err="1"/>
+              <a:t>컬럼명</a:t>
+            </a:r>
+            <a:r>
+              <a:rPr lang="en-US" altLang="ko-KR" sz="1800" dirty="0"/>
+              <a:t>2</a:t>
+            </a:r>
           </a:p>
           <a:p>
             <a:pPr marL="0" indent="0">
@@ -12831,52 +12766,70 @@
               <a:buNone/>
             </a:pPr>
             <a:r>
-              <a:rPr lang="ko-KR" altLang="en-US" sz="2400" dirty="0"/>
-              <a:t>실습 </a:t>
-            </a:r>
-            <a:r>
-              <a:rPr lang="en-US" altLang="ko-KR" sz="2400" dirty="0"/>
-              <a:t>12. </a:t>
-            </a:r>
-            <a:r>
-              <a:rPr lang="ko-KR" altLang="en-US" sz="2400" dirty="0"/>
-              <a:t>상품권 발급 대장 테이블을 이용하여 </a:t>
-            </a:r>
-            <a:r>
-              <a:rPr lang="en-US" altLang="ko-KR" sz="2400" dirty="0"/>
-              <a:t>10</a:t>
-            </a:r>
-            <a:r>
-              <a:rPr lang="ko-KR" altLang="en-US" sz="2400" dirty="0"/>
-              <a:t>만원 초과 상품권을 발급 받은 고객 </a:t>
-            </a:r>
-            <a:r>
-              <a:rPr lang="ko-KR" altLang="en-US" sz="2400" dirty="0" err="1"/>
-              <a:t>관리번호를</a:t>
-            </a:r>
-            <a:r>
-              <a:rPr lang="ko-KR" altLang="en-US" sz="2400" dirty="0"/>
+              <a:rPr lang="en-US" altLang="ko-KR" sz="1800" dirty="0"/>
+              <a:t>       from </a:t>
+            </a:r>
+            <a:r>
+              <a:rPr lang="ko-KR" altLang="en-US" sz="1800" dirty="0" err="1"/>
+              <a:t>테이블명</a:t>
+            </a:r>
+            <a:r>
+              <a:rPr lang="ko-KR" altLang="en-US" sz="1800" dirty="0"/>
               <a:t> </a:t>
             </a:r>
             <a:r>
-              <a:rPr lang="en-US" altLang="ko-KR" sz="2400" dirty="0"/>
-              <a:t>2</a:t>
-            </a:r>
-            <a:r>
-              <a:rPr lang="ko-KR" altLang="en-US" sz="2400" dirty="0"/>
-              <a:t>번 출력되도록 구성 하시오</a:t>
-            </a:r>
-            <a:r>
-              <a:rPr lang="en-US" altLang="ko-KR" sz="2400" dirty="0"/>
-              <a:t>.</a:t>
+              <a:rPr lang="en-US" altLang="ko-KR" sz="1800" dirty="0"/>
+              <a:t>AS A2</a:t>
+            </a:r>
+          </a:p>
+          <a:p>
+            <a:pPr marL="0" indent="0">
+              <a:buFont typeface="Arial" panose="020B0604020202020204" pitchFamily="34" charset="0"/>
+              <a:buNone/>
+            </a:pPr>
+            <a:r>
+              <a:rPr lang="en-US" altLang="ko-KR" sz="1800" dirty="0"/>
+              <a:t>    Where </a:t>
+            </a:r>
+            <a:r>
+              <a:rPr lang="ko-KR" altLang="en-US" sz="1800" dirty="0"/>
+              <a:t>조건</a:t>
+            </a:r>
+            <a:r>
+              <a:rPr lang="en-US" altLang="ko-KR" sz="1800" dirty="0"/>
+              <a:t>;</a:t>
             </a:r>
           </a:p>
         </p:txBody>
       </p:sp>
+      <p:pic>
+        <p:nvPicPr>
+          <p:cNvPr id="4" name="그림 3"/>
+          <p:cNvPicPr>
+            <a:picLocks noChangeAspect="1"/>
+          </p:cNvPicPr>
+          <p:nvPr/>
+        </p:nvPicPr>
+        <p:blipFill>
+          <a:blip r:embed="rId2"/>
+          <a:stretch>
+            <a:fillRect/>
+          </a:stretch>
+        </p:blipFill>
+        <p:spPr>
+          <a:xfrm>
+            <a:off x="6095999" y="1724115"/>
+            <a:ext cx="2400635" cy="4906060"/>
+          </a:xfrm>
+          <a:prstGeom prst="rect">
+            <a:avLst/>
+          </a:prstGeom>
+        </p:spPr>
+      </p:pic>
     </p:spTree>
     <p:extLst>
       <p:ext uri="{BB962C8B-B14F-4D97-AF65-F5344CB8AC3E}">
-        <p14:creationId xmlns:p14="http://schemas.microsoft.com/office/powerpoint/2010/main" val="2372700995"/>
+        <p14:creationId xmlns:p14="http://schemas.microsoft.com/office/powerpoint/2010/main" val="246728377"/>
       </p:ext>
     </p:extLst>
   </p:cSld>
@@ -13485,6 +13438,930 @@
             </a:pPr>
             <a:r>
               <a:rPr lang="en-US" altLang="ko-KR" dirty="0"/>
+              <a:t>2. Union</a:t>
+            </a:r>
+          </a:p>
+          <a:p>
+            <a:pPr marL="0" indent="0">
+              <a:buFont typeface="Arial" panose="020B0604020202020204" pitchFamily="34" charset="0"/>
+              <a:buNone/>
+            </a:pPr>
+            <a:r>
+              <a:rPr lang="en-US" altLang="ko-KR" sz="2400" dirty="0"/>
+              <a:t>  2) </a:t>
+            </a:r>
+            <a:r>
+              <a:rPr lang="ko-KR" altLang="en-US" sz="2400" dirty="0"/>
+              <a:t>동일 테이블의 </a:t>
+            </a:r>
+            <a:r>
+              <a:rPr lang="en-US" altLang="ko-KR" sz="2400" dirty="0"/>
+              <a:t>Union</a:t>
+            </a:r>
+          </a:p>
+          <a:p>
+            <a:pPr marL="0" indent="0">
+              <a:buNone/>
+            </a:pPr>
+            <a:r>
+              <a:rPr lang="en-US" altLang="ko-KR" sz="1800" dirty="0"/>
+              <a:t>     Select </a:t>
+            </a:r>
+            <a:r>
+              <a:rPr lang="ko-KR" altLang="en-US" sz="1800" dirty="0" err="1"/>
+              <a:t>컬럼명</a:t>
+            </a:r>
+            <a:r>
+              <a:rPr lang="en-US" altLang="ko-KR" sz="1800" dirty="0"/>
+              <a:t>1, </a:t>
+            </a:r>
+            <a:r>
+              <a:rPr lang="ko-KR" altLang="en-US" sz="1800" dirty="0" err="1"/>
+              <a:t>컬럼명</a:t>
+            </a:r>
+            <a:r>
+              <a:rPr lang="en-US" altLang="ko-KR" sz="1800" dirty="0"/>
+              <a:t>2</a:t>
+            </a:r>
+          </a:p>
+          <a:p>
+            <a:pPr marL="0" indent="0">
+              <a:buFont typeface="Arial" panose="020B0604020202020204" pitchFamily="34" charset="0"/>
+              <a:buNone/>
+            </a:pPr>
+            <a:r>
+              <a:rPr lang="en-US" altLang="ko-KR" sz="1800" dirty="0"/>
+              <a:t>      from </a:t>
+            </a:r>
+            <a:r>
+              <a:rPr lang="ko-KR" altLang="en-US" sz="1800" dirty="0" err="1"/>
+              <a:t>테이블명</a:t>
+            </a:r>
+            <a:r>
+              <a:rPr lang="ko-KR" altLang="en-US" sz="1800" dirty="0"/>
+              <a:t> </a:t>
+            </a:r>
+            <a:r>
+              <a:rPr lang="en-US" altLang="ko-KR" sz="1800" dirty="0"/>
+              <a:t>AS A1</a:t>
+            </a:r>
+          </a:p>
+          <a:p>
+            <a:pPr marL="0" indent="0">
+              <a:buFont typeface="Arial" panose="020B0604020202020204" pitchFamily="34" charset="0"/>
+              <a:buNone/>
+            </a:pPr>
+            <a:r>
+              <a:rPr lang="en-US" altLang="ko-KR" sz="1800" dirty="0"/>
+              <a:t>   </a:t>
+            </a:r>
+            <a:r>
+              <a:rPr lang="ko-KR" altLang="en-US" sz="1800" dirty="0"/>
+              <a:t> </a:t>
+            </a:r>
+            <a:r>
+              <a:rPr lang="en-US" altLang="ko-KR" sz="1800" dirty="0"/>
+              <a:t>Where </a:t>
+            </a:r>
+            <a:r>
+              <a:rPr lang="ko-KR" altLang="en-US" sz="1800" dirty="0"/>
+              <a:t>조건</a:t>
+            </a:r>
+            <a:endParaRPr lang="en-US" altLang="ko-KR" sz="1800" dirty="0"/>
+          </a:p>
+          <a:p>
+            <a:pPr marL="0" indent="0">
+              <a:buFont typeface="Arial" panose="020B0604020202020204" pitchFamily="34" charset="0"/>
+              <a:buNone/>
+            </a:pPr>
+            <a:r>
+              <a:rPr lang="en-US" altLang="ko-KR" sz="1800" dirty="0"/>
+              <a:t>     UNION</a:t>
+            </a:r>
+          </a:p>
+          <a:p>
+            <a:pPr marL="0" indent="0">
+              <a:buFont typeface="Arial" panose="020B0604020202020204" pitchFamily="34" charset="0"/>
+              <a:buNone/>
+            </a:pPr>
+            <a:r>
+              <a:rPr lang="en-US" altLang="ko-KR" sz="1800" dirty="0"/>
+              <a:t>     Select </a:t>
+            </a:r>
+            <a:r>
+              <a:rPr lang="ko-KR" altLang="en-US" sz="1800" dirty="0" err="1"/>
+              <a:t>컬럼명</a:t>
+            </a:r>
+            <a:r>
+              <a:rPr lang="en-US" altLang="ko-KR" sz="1800" dirty="0"/>
+              <a:t>1, </a:t>
+            </a:r>
+            <a:r>
+              <a:rPr lang="ko-KR" altLang="en-US" sz="1800" dirty="0" err="1"/>
+              <a:t>컬럼명</a:t>
+            </a:r>
+            <a:r>
+              <a:rPr lang="en-US" altLang="ko-KR" sz="1800" dirty="0"/>
+              <a:t>2</a:t>
+            </a:r>
+          </a:p>
+          <a:p>
+            <a:pPr marL="0" indent="0">
+              <a:buNone/>
+            </a:pPr>
+            <a:r>
+              <a:rPr lang="en-US" altLang="ko-KR" sz="1800" dirty="0"/>
+              <a:t>      from </a:t>
+            </a:r>
+            <a:r>
+              <a:rPr lang="ko-KR" altLang="en-US" sz="1800" dirty="0" err="1"/>
+              <a:t>테이블명</a:t>
+            </a:r>
+            <a:r>
+              <a:rPr lang="ko-KR" altLang="en-US" sz="1800" dirty="0"/>
+              <a:t> </a:t>
+            </a:r>
+            <a:r>
+              <a:rPr lang="en-US" altLang="ko-KR" sz="1800" dirty="0"/>
+              <a:t>AS A1</a:t>
+            </a:r>
+          </a:p>
+          <a:p>
+            <a:pPr marL="0" indent="0">
+              <a:buNone/>
+            </a:pPr>
+            <a:r>
+              <a:rPr lang="en-US" altLang="ko-KR" sz="1800" dirty="0"/>
+              <a:t>    Where </a:t>
+            </a:r>
+            <a:r>
+              <a:rPr lang="ko-KR" altLang="en-US" sz="1800" dirty="0"/>
+              <a:t>조건</a:t>
+            </a:r>
+            <a:r>
+              <a:rPr lang="en-US" altLang="ko-KR" sz="1800" dirty="0"/>
+              <a:t>;</a:t>
+            </a:r>
+          </a:p>
+        </p:txBody>
+      </p:sp>
+      <p:pic>
+        <p:nvPicPr>
+          <p:cNvPr id="2" name="그림 1"/>
+          <p:cNvPicPr>
+            <a:picLocks noChangeAspect="1"/>
+          </p:cNvPicPr>
+          <p:nvPr/>
+        </p:nvPicPr>
+        <p:blipFill>
+          <a:blip r:embed="rId2"/>
+          <a:stretch>
+            <a:fillRect/>
+          </a:stretch>
+        </p:blipFill>
+        <p:spPr>
+          <a:xfrm>
+            <a:off x="4664230" y="349930"/>
+            <a:ext cx="3923709" cy="6765573"/>
+          </a:xfrm>
+          <a:prstGeom prst="rect">
+            <a:avLst/>
+          </a:prstGeom>
+        </p:spPr>
+      </p:pic>
+    </p:spTree>
+    <p:extLst>
+      <p:ext uri="{BB962C8B-B14F-4D97-AF65-F5344CB8AC3E}">
+        <p14:creationId xmlns:p14="http://schemas.microsoft.com/office/powerpoint/2010/main" val="1446148377"/>
+      </p:ext>
+    </p:extLst>
+  </p:cSld>
+  <p:clrMapOvr>
+    <a:masterClrMapping/>
+  </p:clrMapOvr>
+  <p:timing>
+    <p:tnLst>
+      <p:par>
+        <p:cTn id="1" dur="indefinite" restart="never" nodeType="tmRoot"/>
+      </p:par>
+    </p:tnLst>
+  </p:timing>
+</p:sld>
+</file>
+
+<file path=ppt/slides/slide21.xml><?xml version="1.0" encoding="utf-8"?>
+<p:sld xmlns:a="http://schemas.openxmlformats.org/drawingml/2006/main" xmlns:r="http://schemas.openxmlformats.org/officeDocument/2006/relationships" xmlns:p="http://schemas.openxmlformats.org/presentationml/2006/main">
+  <p:cSld>
+    <p:spTree>
+      <p:nvGrpSpPr>
+        <p:cNvPr id="1" name=""/>
+        <p:cNvGrpSpPr/>
+        <p:nvPr/>
+      </p:nvGrpSpPr>
+      <p:grpSpPr>
+        <a:xfrm>
+          <a:off x="0" y="0"/>
+          <a:ext cx="0" cy="0"/>
+          <a:chOff x="0" y="0"/>
+          <a:chExt cx="0" cy="0"/>
+        </a:xfrm>
+      </p:grpSpPr>
+      <p:sp>
+        <p:nvSpPr>
+          <p:cNvPr id="44" name="도형 17"/>
+          <p:cNvSpPr>
+            <a:spLocks/>
+          </p:cNvSpPr>
+          <p:nvPr/>
+        </p:nvSpPr>
+        <p:spPr>
+          <a:xfrm>
+            <a:off x="765868" y="316230"/>
+            <a:ext cx="2052165" cy="454292"/>
+          </a:xfrm>
+          <a:prstGeom prst="rect">
+            <a:avLst/>
+          </a:prstGeom>
+          <a:ln w="0">
+            <a:noFill/>
+            <a:prstDash/>
+          </a:ln>
+        </p:spPr>
+        <p:txBody>
+          <a:bodyPr vert="horz" wrap="none" lIns="91440" tIns="45720" rIns="91440" bIns="45720" numCol="1" anchor="t">
+            <a:spAutoFit/>
+          </a:bodyPr>
+          <a:lstStyle/>
+          <a:p>
+            <a:pPr marL="0" indent="0" latinLnBrk="0">
+              <a:lnSpc>
+                <a:spcPct val="150000"/>
+              </a:lnSpc>
+              <a:buFontTx/>
+              <a:buNone/>
+            </a:pPr>
+            <a:r>
+              <a:rPr lang="en-US" altLang="ko-KR" dirty="0">
+                <a:solidFill>
+                  <a:schemeClr val="bg1"/>
+                </a:solidFill>
+              </a:rPr>
+              <a:t>SQL Select, Union</a:t>
+            </a:r>
+            <a:endParaRPr lang="ko-KR" altLang="en-US" dirty="0">
+              <a:solidFill>
+                <a:schemeClr val="bg1"/>
+              </a:solidFill>
+            </a:endParaRPr>
+          </a:p>
+        </p:txBody>
+      </p:sp>
+      <p:sp>
+        <p:nvSpPr>
+          <p:cNvPr id="7" name="내용 개체 틀 2"/>
+          <p:cNvSpPr txBox="1">
+            <a:spLocks/>
+          </p:cNvSpPr>
+          <p:nvPr/>
+        </p:nvSpPr>
+        <p:spPr>
+          <a:xfrm>
+            <a:off x="498765" y="1600200"/>
+            <a:ext cx="11222182" cy="4525963"/>
+          </a:xfrm>
+          <a:prstGeom prst="rect">
+            <a:avLst/>
+          </a:prstGeom>
+        </p:spPr>
+        <p:txBody>
+          <a:bodyPr/>
+          <a:lstStyle>
+            <a:lvl1pPr marL="228600" indent="-228600" algn="l" defTabSz="914400" rtl="0" eaLnBrk="1" latinLnBrk="1" hangingPunct="1">
+              <a:lnSpc>
+                <a:spcPct val="90000"/>
+              </a:lnSpc>
+              <a:spcBef>
+                <a:spcPts val="1000"/>
+              </a:spcBef>
+              <a:buFont typeface="Arial" panose="020B0604020202020204" pitchFamily="34" charset="0"/>
+              <a:buChar char="•"/>
+              <a:defRPr sz="2800" kern="1200">
+                <a:solidFill>
+                  <a:schemeClr val="tx1"/>
+                </a:solidFill>
+                <a:latin typeface="+mn-lt"/>
+                <a:ea typeface="+mn-ea"/>
+                <a:cs typeface="+mn-cs"/>
+              </a:defRPr>
+            </a:lvl1pPr>
+            <a:lvl2pPr marL="685800" indent="-228600" algn="l" defTabSz="914400" rtl="0" eaLnBrk="1" latinLnBrk="1" hangingPunct="1">
+              <a:lnSpc>
+                <a:spcPct val="90000"/>
+              </a:lnSpc>
+              <a:spcBef>
+                <a:spcPts val="500"/>
+              </a:spcBef>
+              <a:buFont typeface="Arial" panose="020B0604020202020204" pitchFamily="34" charset="0"/>
+              <a:buChar char="•"/>
+              <a:defRPr sz="2400" kern="1200">
+                <a:solidFill>
+                  <a:schemeClr val="tx1"/>
+                </a:solidFill>
+                <a:latin typeface="+mn-lt"/>
+                <a:ea typeface="+mn-ea"/>
+                <a:cs typeface="+mn-cs"/>
+              </a:defRPr>
+            </a:lvl2pPr>
+            <a:lvl3pPr marL="1143000" indent="-228600" algn="l" defTabSz="914400" rtl="0" eaLnBrk="1" latinLnBrk="1" hangingPunct="1">
+              <a:lnSpc>
+                <a:spcPct val="90000"/>
+              </a:lnSpc>
+              <a:spcBef>
+                <a:spcPts val="500"/>
+              </a:spcBef>
+              <a:buFont typeface="Arial" panose="020B0604020202020204" pitchFamily="34" charset="0"/>
+              <a:buChar char="•"/>
+              <a:defRPr sz="2000" kern="1200">
+                <a:solidFill>
+                  <a:schemeClr val="tx1"/>
+                </a:solidFill>
+                <a:latin typeface="+mn-lt"/>
+                <a:ea typeface="+mn-ea"/>
+                <a:cs typeface="+mn-cs"/>
+              </a:defRPr>
+            </a:lvl3pPr>
+            <a:lvl4pPr marL="1600200" indent="-228600" algn="l" defTabSz="914400" rtl="0" eaLnBrk="1" latinLnBrk="1" hangingPunct="1">
+              <a:lnSpc>
+                <a:spcPct val="90000"/>
+              </a:lnSpc>
+              <a:spcBef>
+                <a:spcPts val="500"/>
+              </a:spcBef>
+              <a:buFont typeface="Arial" panose="020B0604020202020204" pitchFamily="34" charset="0"/>
+              <a:buChar char="•"/>
+              <a:defRPr sz="1800" kern="1200">
+                <a:solidFill>
+                  <a:schemeClr val="tx1"/>
+                </a:solidFill>
+                <a:latin typeface="+mn-lt"/>
+                <a:ea typeface="+mn-ea"/>
+                <a:cs typeface="+mn-cs"/>
+              </a:defRPr>
+            </a:lvl4pPr>
+            <a:lvl5pPr marL="2057400" indent="-228600" algn="l" defTabSz="914400" rtl="0" eaLnBrk="1" latinLnBrk="1" hangingPunct="1">
+              <a:lnSpc>
+                <a:spcPct val="90000"/>
+              </a:lnSpc>
+              <a:spcBef>
+                <a:spcPts val="500"/>
+              </a:spcBef>
+              <a:buFont typeface="Arial" panose="020B0604020202020204" pitchFamily="34" charset="0"/>
+              <a:buChar char="•"/>
+              <a:defRPr sz="1800" kern="1200">
+                <a:solidFill>
+                  <a:schemeClr val="tx1"/>
+                </a:solidFill>
+                <a:latin typeface="+mn-lt"/>
+                <a:ea typeface="+mn-ea"/>
+                <a:cs typeface="+mn-cs"/>
+              </a:defRPr>
+            </a:lvl5pPr>
+            <a:lvl6pPr marL="2514600" indent="-228600" algn="l" defTabSz="914400" rtl="0" eaLnBrk="1" latinLnBrk="1" hangingPunct="1">
+              <a:lnSpc>
+                <a:spcPct val="90000"/>
+              </a:lnSpc>
+              <a:spcBef>
+                <a:spcPts val="500"/>
+              </a:spcBef>
+              <a:buFont typeface="Arial" panose="020B0604020202020204" pitchFamily="34" charset="0"/>
+              <a:buChar char="•"/>
+              <a:defRPr sz="1800" kern="1200">
+                <a:solidFill>
+                  <a:schemeClr val="tx1"/>
+                </a:solidFill>
+                <a:latin typeface="+mn-lt"/>
+                <a:ea typeface="+mn-ea"/>
+                <a:cs typeface="+mn-cs"/>
+              </a:defRPr>
+            </a:lvl6pPr>
+            <a:lvl7pPr marL="2971800" indent="-228600" algn="l" defTabSz="914400" rtl="0" eaLnBrk="1" latinLnBrk="1" hangingPunct="1">
+              <a:lnSpc>
+                <a:spcPct val="90000"/>
+              </a:lnSpc>
+              <a:spcBef>
+                <a:spcPts val="500"/>
+              </a:spcBef>
+              <a:buFont typeface="Arial" panose="020B0604020202020204" pitchFamily="34" charset="0"/>
+              <a:buChar char="•"/>
+              <a:defRPr sz="1800" kern="1200">
+                <a:solidFill>
+                  <a:schemeClr val="tx1"/>
+                </a:solidFill>
+                <a:latin typeface="+mn-lt"/>
+                <a:ea typeface="+mn-ea"/>
+                <a:cs typeface="+mn-cs"/>
+              </a:defRPr>
+            </a:lvl7pPr>
+            <a:lvl8pPr marL="3429000" indent="-228600" algn="l" defTabSz="914400" rtl="0" eaLnBrk="1" latinLnBrk="1" hangingPunct="1">
+              <a:lnSpc>
+                <a:spcPct val="90000"/>
+              </a:lnSpc>
+              <a:spcBef>
+                <a:spcPts val="500"/>
+              </a:spcBef>
+              <a:buFont typeface="Arial" panose="020B0604020202020204" pitchFamily="34" charset="0"/>
+              <a:buChar char="•"/>
+              <a:defRPr sz="1800" kern="1200">
+                <a:solidFill>
+                  <a:schemeClr val="tx1"/>
+                </a:solidFill>
+                <a:latin typeface="+mn-lt"/>
+                <a:ea typeface="+mn-ea"/>
+                <a:cs typeface="+mn-cs"/>
+              </a:defRPr>
+            </a:lvl8pPr>
+            <a:lvl9pPr marL="3886200" indent="-228600" algn="l" defTabSz="914400" rtl="0" eaLnBrk="1" latinLnBrk="1" hangingPunct="1">
+              <a:lnSpc>
+                <a:spcPct val="90000"/>
+              </a:lnSpc>
+              <a:spcBef>
+                <a:spcPts val="500"/>
+              </a:spcBef>
+              <a:buFont typeface="Arial" panose="020B0604020202020204" pitchFamily="34" charset="0"/>
+              <a:buChar char="•"/>
+              <a:defRPr sz="1800" kern="1200">
+                <a:solidFill>
+                  <a:schemeClr val="tx1"/>
+                </a:solidFill>
+                <a:latin typeface="+mn-lt"/>
+                <a:ea typeface="+mn-ea"/>
+                <a:cs typeface="+mn-cs"/>
+              </a:defRPr>
+            </a:lvl9pPr>
+          </a:lstStyle>
+          <a:p>
+            <a:pPr marL="0" indent="0">
+              <a:buFont typeface="Arial" panose="020B0604020202020204" pitchFamily="34" charset="0"/>
+              <a:buNone/>
+            </a:pPr>
+            <a:r>
+              <a:rPr lang="ko-KR" altLang="en-US" sz="2400" dirty="0"/>
+              <a:t>실습 </a:t>
+            </a:r>
+            <a:r>
+              <a:rPr lang="en-US" altLang="ko-KR" sz="2400" dirty="0"/>
+              <a:t>10. </a:t>
+            </a:r>
+            <a:r>
+              <a:rPr lang="ko-KR" altLang="en-US" sz="2400" dirty="0"/>
+              <a:t>상품권 발급 대장 테이블을 두 번 사용하여 </a:t>
+            </a:r>
+            <a:r>
+              <a:rPr lang="en-US" altLang="ko-KR" sz="2400" dirty="0" err="1"/>
+              <a:t>c_id</a:t>
+            </a:r>
+            <a:r>
+              <a:rPr lang="en-US" altLang="ko-KR" sz="2400" dirty="0"/>
+              <a:t> </a:t>
+            </a:r>
+            <a:r>
+              <a:rPr lang="ko-KR" altLang="en-US" sz="2400" dirty="0"/>
+              <a:t>컬럼만 </a:t>
+            </a:r>
+            <a:r>
+              <a:rPr lang="en-US" altLang="ko-KR" sz="2400" dirty="0"/>
+              <a:t>union </a:t>
+            </a:r>
+            <a:r>
+              <a:rPr lang="ko-KR" altLang="en-US" sz="2400" dirty="0"/>
+              <a:t>시키고 결과를 확인 하시오</a:t>
+            </a:r>
+            <a:r>
+              <a:rPr lang="en-US" altLang="ko-KR" sz="2400" dirty="0"/>
+              <a:t>.</a:t>
+            </a:r>
+          </a:p>
+          <a:p>
+            <a:pPr marL="0" indent="0">
+              <a:buFont typeface="Arial" panose="020B0604020202020204" pitchFamily="34" charset="0"/>
+              <a:buNone/>
+            </a:pPr>
+            <a:endParaRPr lang="en-US" altLang="ko-KR" sz="2400" dirty="0"/>
+          </a:p>
+          <a:p>
+            <a:pPr marL="0" indent="0">
+              <a:buFont typeface="Arial" panose="020B0604020202020204" pitchFamily="34" charset="0"/>
+              <a:buNone/>
+            </a:pPr>
+            <a:r>
+              <a:rPr lang="ko-KR" altLang="en-US" sz="2400" dirty="0"/>
+              <a:t>실습 </a:t>
+            </a:r>
+            <a:r>
+              <a:rPr lang="en-US" altLang="ko-KR" sz="2400" dirty="0"/>
+              <a:t>11. “</a:t>
+            </a:r>
+            <a:r>
+              <a:rPr lang="ko-KR" altLang="en-US" sz="2400" dirty="0"/>
+              <a:t>실습 </a:t>
+            </a:r>
+            <a:r>
+              <a:rPr lang="en-US" altLang="ko-KR" sz="2400" dirty="0"/>
+              <a:t>10”</a:t>
+            </a:r>
+            <a:r>
+              <a:rPr lang="ko-KR" altLang="en-US" sz="2400" dirty="0"/>
+              <a:t>에 첫번째 </a:t>
+            </a:r>
+            <a:r>
+              <a:rPr lang="en-US" altLang="ko-KR" sz="2400" dirty="0"/>
+              <a:t>select</a:t>
+            </a:r>
+            <a:r>
+              <a:rPr lang="ko-KR" altLang="en-US" sz="2400" dirty="0"/>
+              <a:t>문에는 </a:t>
+            </a:r>
+            <a:r>
+              <a:rPr lang="en-US" altLang="ko-KR" sz="2400" dirty="0"/>
+              <a:t>‘1</a:t>
+            </a:r>
+            <a:r>
+              <a:rPr lang="ko-KR" altLang="en-US" sz="2400" dirty="0"/>
+              <a:t>번</a:t>
+            </a:r>
+            <a:r>
+              <a:rPr lang="en-US" altLang="ko-KR" sz="2400" dirty="0"/>
+              <a:t>‘ </a:t>
+            </a:r>
+            <a:r>
+              <a:rPr lang="ko-KR" altLang="en-US" sz="2400" dirty="0"/>
+              <a:t>이라는 내용의 컬럼을 두번째 </a:t>
+            </a:r>
+            <a:r>
+              <a:rPr lang="en-US" altLang="ko-KR" sz="2400" dirty="0"/>
+              <a:t>select</a:t>
+            </a:r>
+            <a:r>
+              <a:rPr lang="ko-KR" altLang="en-US" sz="2400" dirty="0"/>
+              <a:t>문에는 </a:t>
+            </a:r>
+            <a:r>
+              <a:rPr lang="en-US" altLang="ko-KR" sz="2400" dirty="0"/>
+              <a:t>‘2</a:t>
+            </a:r>
+            <a:r>
+              <a:rPr lang="ko-KR" altLang="en-US" sz="2400" dirty="0"/>
+              <a:t>번</a:t>
+            </a:r>
+            <a:r>
+              <a:rPr lang="en-US" altLang="ko-KR" sz="2400" dirty="0"/>
+              <a:t>’</a:t>
+            </a:r>
+            <a:r>
+              <a:rPr lang="ko-KR" altLang="en-US" sz="2400" dirty="0"/>
+              <a:t>이라는 내용의 컬럼을 추가하여 결과를 확인 </a:t>
+            </a:r>
+            <a:r>
+              <a:rPr lang="ko-KR" altLang="en-US" sz="2400" dirty="0" err="1"/>
+              <a:t>하시오</a:t>
+            </a:r>
+            <a:r>
+              <a:rPr lang="en-US" altLang="ko-KR" sz="2400" dirty="0"/>
+              <a:t>.</a:t>
+            </a:r>
+          </a:p>
+          <a:p>
+            <a:pPr marL="0" indent="0">
+              <a:buFont typeface="Arial" panose="020B0604020202020204" pitchFamily="34" charset="0"/>
+              <a:buNone/>
+            </a:pPr>
+            <a:endParaRPr lang="en-US" altLang="ko-KR" sz="2400" dirty="0"/>
+          </a:p>
+          <a:p>
+            <a:pPr marL="0" indent="0">
+              <a:buFont typeface="Arial" panose="020B0604020202020204" pitchFamily="34" charset="0"/>
+              <a:buNone/>
+            </a:pPr>
+            <a:r>
+              <a:rPr lang="ko-KR" altLang="en-US" sz="2400" dirty="0"/>
+              <a:t>실습 </a:t>
+            </a:r>
+            <a:r>
+              <a:rPr lang="en-US" altLang="ko-KR" sz="2400" dirty="0"/>
+              <a:t>12. </a:t>
+            </a:r>
+            <a:r>
+              <a:rPr lang="ko-KR" altLang="en-US" sz="2400" dirty="0"/>
+              <a:t>상품권 발급 대장 테이블을 이용하여 </a:t>
+            </a:r>
+            <a:r>
+              <a:rPr lang="en-US" altLang="ko-KR" sz="2400" dirty="0"/>
+              <a:t>10</a:t>
+            </a:r>
+            <a:r>
+              <a:rPr lang="ko-KR" altLang="en-US" sz="2400" dirty="0"/>
+              <a:t>만원 초과 상품권을 발급 받은 고객 </a:t>
+            </a:r>
+            <a:r>
+              <a:rPr lang="ko-KR" altLang="en-US" sz="2400" dirty="0" err="1"/>
+              <a:t>관리번호를</a:t>
+            </a:r>
+            <a:r>
+              <a:rPr lang="ko-KR" altLang="en-US" sz="2400" dirty="0"/>
+              <a:t> </a:t>
+            </a:r>
+            <a:r>
+              <a:rPr lang="en-US" altLang="ko-KR" sz="2400" dirty="0"/>
+              <a:t>2</a:t>
+            </a:r>
+            <a:r>
+              <a:rPr lang="ko-KR" altLang="en-US" sz="2400" dirty="0"/>
+              <a:t>번 출력되도록 구성 하시오</a:t>
+            </a:r>
+            <a:r>
+              <a:rPr lang="en-US" altLang="ko-KR" sz="2400" dirty="0"/>
+              <a:t>.</a:t>
+            </a:r>
+          </a:p>
+        </p:txBody>
+      </p:sp>
+    </p:spTree>
+    <p:extLst>
+      <p:ext uri="{BB962C8B-B14F-4D97-AF65-F5344CB8AC3E}">
+        <p14:creationId xmlns:p14="http://schemas.microsoft.com/office/powerpoint/2010/main" val="2372700995"/>
+      </p:ext>
+    </p:extLst>
+  </p:cSld>
+  <p:clrMapOvr>
+    <a:masterClrMapping/>
+  </p:clrMapOvr>
+  <p:timing>
+    <p:tnLst>
+      <p:par>
+        <p:cTn id="1" dur="indefinite" restart="never" nodeType="tmRoot"/>
+      </p:par>
+    </p:tnLst>
+  </p:timing>
+</p:sld>
+</file>
+
+<file path=ppt/slides/slide22.xml><?xml version="1.0" encoding="utf-8"?>
+<p:sld xmlns:a="http://schemas.openxmlformats.org/drawingml/2006/main" xmlns:r="http://schemas.openxmlformats.org/officeDocument/2006/relationships" xmlns:p="http://schemas.openxmlformats.org/presentationml/2006/main">
+  <p:cSld>
+    <p:spTree>
+      <p:nvGrpSpPr>
+        <p:cNvPr id="1" name=""/>
+        <p:cNvGrpSpPr/>
+        <p:nvPr/>
+      </p:nvGrpSpPr>
+      <p:grpSpPr>
+        <a:xfrm>
+          <a:off x="0" y="0"/>
+          <a:ext cx="0" cy="0"/>
+          <a:chOff x="0" y="0"/>
+          <a:chExt cx="0" cy="0"/>
+        </a:xfrm>
+      </p:grpSpPr>
+      <p:sp>
+        <p:nvSpPr>
+          <p:cNvPr id="44" name="도형 17"/>
+          <p:cNvSpPr>
+            <a:spLocks/>
+          </p:cNvSpPr>
+          <p:nvPr/>
+        </p:nvSpPr>
+        <p:spPr>
+          <a:xfrm>
+            <a:off x="765868" y="316230"/>
+            <a:ext cx="2052165" cy="454292"/>
+          </a:xfrm>
+          <a:prstGeom prst="rect">
+            <a:avLst/>
+          </a:prstGeom>
+          <a:ln w="0">
+            <a:noFill/>
+            <a:prstDash/>
+          </a:ln>
+        </p:spPr>
+        <p:txBody>
+          <a:bodyPr vert="horz" wrap="none" lIns="91440" tIns="45720" rIns="91440" bIns="45720" numCol="1" anchor="t">
+            <a:spAutoFit/>
+          </a:bodyPr>
+          <a:lstStyle/>
+          <a:p>
+            <a:pPr marL="0" indent="0" latinLnBrk="0">
+              <a:lnSpc>
+                <a:spcPct val="150000"/>
+              </a:lnSpc>
+              <a:buFontTx/>
+              <a:buNone/>
+            </a:pPr>
+            <a:r>
+              <a:rPr lang="en-US" altLang="ko-KR" dirty="0">
+                <a:solidFill>
+                  <a:schemeClr val="bg1"/>
+                </a:solidFill>
+              </a:rPr>
+              <a:t>SQL Select, Union</a:t>
+            </a:r>
+            <a:endParaRPr lang="ko-KR" altLang="en-US" dirty="0">
+              <a:solidFill>
+                <a:schemeClr val="bg1"/>
+              </a:solidFill>
+            </a:endParaRPr>
+          </a:p>
+        </p:txBody>
+      </p:sp>
+      <p:sp>
+        <p:nvSpPr>
+          <p:cNvPr id="3" name="내용 개체 틀 2"/>
+          <p:cNvSpPr txBox="1">
+            <a:spLocks/>
+          </p:cNvSpPr>
+          <p:nvPr/>
+        </p:nvSpPr>
+        <p:spPr>
+          <a:xfrm>
+            <a:off x="440573" y="1600200"/>
+            <a:ext cx="11305309" cy="4525963"/>
+          </a:xfrm>
+          <a:prstGeom prst="rect">
+            <a:avLst/>
+          </a:prstGeom>
+        </p:spPr>
+        <p:txBody>
+          <a:bodyPr/>
+          <a:lstStyle>
+            <a:lvl1pPr marL="228600" indent="-228600" algn="l" defTabSz="914400" rtl="0" eaLnBrk="1" latinLnBrk="1" hangingPunct="1">
+              <a:lnSpc>
+                <a:spcPct val="90000"/>
+              </a:lnSpc>
+              <a:spcBef>
+                <a:spcPts val="1000"/>
+              </a:spcBef>
+              <a:buFont typeface="Arial" panose="020B0604020202020204" pitchFamily="34" charset="0"/>
+              <a:buChar char="•"/>
+              <a:defRPr sz="2800" kern="1200">
+                <a:solidFill>
+                  <a:schemeClr val="tx1"/>
+                </a:solidFill>
+                <a:latin typeface="+mn-lt"/>
+                <a:ea typeface="+mn-ea"/>
+                <a:cs typeface="+mn-cs"/>
+              </a:defRPr>
+            </a:lvl1pPr>
+            <a:lvl2pPr marL="685800" indent="-228600" algn="l" defTabSz="914400" rtl="0" eaLnBrk="1" latinLnBrk="1" hangingPunct="1">
+              <a:lnSpc>
+                <a:spcPct val="90000"/>
+              </a:lnSpc>
+              <a:spcBef>
+                <a:spcPts val="500"/>
+              </a:spcBef>
+              <a:buFont typeface="Arial" panose="020B0604020202020204" pitchFamily="34" charset="0"/>
+              <a:buChar char="•"/>
+              <a:defRPr sz="2400" kern="1200">
+                <a:solidFill>
+                  <a:schemeClr val="tx1"/>
+                </a:solidFill>
+                <a:latin typeface="+mn-lt"/>
+                <a:ea typeface="+mn-ea"/>
+                <a:cs typeface="+mn-cs"/>
+              </a:defRPr>
+            </a:lvl2pPr>
+            <a:lvl3pPr marL="1143000" indent="-228600" algn="l" defTabSz="914400" rtl="0" eaLnBrk="1" latinLnBrk="1" hangingPunct="1">
+              <a:lnSpc>
+                <a:spcPct val="90000"/>
+              </a:lnSpc>
+              <a:spcBef>
+                <a:spcPts val="500"/>
+              </a:spcBef>
+              <a:buFont typeface="Arial" panose="020B0604020202020204" pitchFamily="34" charset="0"/>
+              <a:buChar char="•"/>
+              <a:defRPr sz="2000" kern="1200">
+                <a:solidFill>
+                  <a:schemeClr val="tx1"/>
+                </a:solidFill>
+                <a:latin typeface="+mn-lt"/>
+                <a:ea typeface="+mn-ea"/>
+                <a:cs typeface="+mn-cs"/>
+              </a:defRPr>
+            </a:lvl3pPr>
+            <a:lvl4pPr marL="1600200" indent="-228600" algn="l" defTabSz="914400" rtl="0" eaLnBrk="1" latinLnBrk="1" hangingPunct="1">
+              <a:lnSpc>
+                <a:spcPct val="90000"/>
+              </a:lnSpc>
+              <a:spcBef>
+                <a:spcPts val="500"/>
+              </a:spcBef>
+              <a:buFont typeface="Arial" panose="020B0604020202020204" pitchFamily="34" charset="0"/>
+              <a:buChar char="•"/>
+              <a:defRPr sz="1800" kern="1200">
+                <a:solidFill>
+                  <a:schemeClr val="tx1"/>
+                </a:solidFill>
+                <a:latin typeface="+mn-lt"/>
+                <a:ea typeface="+mn-ea"/>
+                <a:cs typeface="+mn-cs"/>
+              </a:defRPr>
+            </a:lvl4pPr>
+            <a:lvl5pPr marL="2057400" indent="-228600" algn="l" defTabSz="914400" rtl="0" eaLnBrk="1" latinLnBrk="1" hangingPunct="1">
+              <a:lnSpc>
+                <a:spcPct val="90000"/>
+              </a:lnSpc>
+              <a:spcBef>
+                <a:spcPts val="500"/>
+              </a:spcBef>
+              <a:buFont typeface="Arial" panose="020B0604020202020204" pitchFamily="34" charset="0"/>
+              <a:buChar char="•"/>
+              <a:defRPr sz="1800" kern="1200">
+                <a:solidFill>
+                  <a:schemeClr val="tx1"/>
+                </a:solidFill>
+                <a:latin typeface="+mn-lt"/>
+                <a:ea typeface="+mn-ea"/>
+                <a:cs typeface="+mn-cs"/>
+              </a:defRPr>
+            </a:lvl5pPr>
+            <a:lvl6pPr marL="2514600" indent="-228600" algn="l" defTabSz="914400" rtl="0" eaLnBrk="1" latinLnBrk="1" hangingPunct="1">
+              <a:lnSpc>
+                <a:spcPct val="90000"/>
+              </a:lnSpc>
+              <a:spcBef>
+                <a:spcPts val="500"/>
+              </a:spcBef>
+              <a:buFont typeface="Arial" panose="020B0604020202020204" pitchFamily="34" charset="0"/>
+              <a:buChar char="•"/>
+              <a:defRPr sz="1800" kern="1200">
+                <a:solidFill>
+                  <a:schemeClr val="tx1"/>
+                </a:solidFill>
+                <a:latin typeface="+mn-lt"/>
+                <a:ea typeface="+mn-ea"/>
+                <a:cs typeface="+mn-cs"/>
+              </a:defRPr>
+            </a:lvl6pPr>
+            <a:lvl7pPr marL="2971800" indent="-228600" algn="l" defTabSz="914400" rtl="0" eaLnBrk="1" latinLnBrk="1" hangingPunct="1">
+              <a:lnSpc>
+                <a:spcPct val="90000"/>
+              </a:lnSpc>
+              <a:spcBef>
+                <a:spcPts val="500"/>
+              </a:spcBef>
+              <a:buFont typeface="Arial" panose="020B0604020202020204" pitchFamily="34" charset="0"/>
+              <a:buChar char="•"/>
+              <a:defRPr sz="1800" kern="1200">
+                <a:solidFill>
+                  <a:schemeClr val="tx1"/>
+                </a:solidFill>
+                <a:latin typeface="+mn-lt"/>
+                <a:ea typeface="+mn-ea"/>
+                <a:cs typeface="+mn-cs"/>
+              </a:defRPr>
+            </a:lvl7pPr>
+            <a:lvl8pPr marL="3429000" indent="-228600" algn="l" defTabSz="914400" rtl="0" eaLnBrk="1" latinLnBrk="1" hangingPunct="1">
+              <a:lnSpc>
+                <a:spcPct val="90000"/>
+              </a:lnSpc>
+              <a:spcBef>
+                <a:spcPts val="500"/>
+              </a:spcBef>
+              <a:buFont typeface="Arial" panose="020B0604020202020204" pitchFamily="34" charset="0"/>
+              <a:buChar char="•"/>
+              <a:defRPr sz="1800" kern="1200">
+                <a:solidFill>
+                  <a:schemeClr val="tx1"/>
+                </a:solidFill>
+                <a:latin typeface="+mn-lt"/>
+                <a:ea typeface="+mn-ea"/>
+                <a:cs typeface="+mn-cs"/>
+              </a:defRPr>
+            </a:lvl8pPr>
+            <a:lvl9pPr marL="3886200" indent="-228600" algn="l" defTabSz="914400" rtl="0" eaLnBrk="1" latinLnBrk="1" hangingPunct="1">
+              <a:lnSpc>
+                <a:spcPct val="90000"/>
+              </a:lnSpc>
+              <a:spcBef>
+                <a:spcPts val="500"/>
+              </a:spcBef>
+              <a:buFont typeface="Arial" panose="020B0604020202020204" pitchFamily="34" charset="0"/>
+              <a:buChar char="•"/>
+              <a:defRPr sz="1800" kern="1200">
+                <a:solidFill>
+                  <a:schemeClr val="tx1"/>
+                </a:solidFill>
+                <a:latin typeface="+mn-lt"/>
+                <a:ea typeface="+mn-ea"/>
+                <a:cs typeface="+mn-cs"/>
+              </a:defRPr>
+            </a:lvl9pPr>
+          </a:lstStyle>
+          <a:p>
+            <a:pPr marL="0" indent="0">
+              <a:buFont typeface="Arial" panose="020B0604020202020204" pitchFamily="34" charset="0"/>
+              <a:buNone/>
+            </a:pPr>
+            <a:r>
+              <a:rPr lang="en-US" altLang="ko-KR" dirty="0"/>
               <a:t>2. Union All</a:t>
             </a:r>
           </a:p>
@@ -13708,7 +14585,7 @@
 </p:sld>
 </file>
 
-<file path=ppt/slides/slide21.xml><?xml version="1.0" encoding="utf-8"?>
+<file path=ppt/slides/slide23.xml><?xml version="1.0" encoding="utf-8"?>
 <p:sld xmlns:a="http://schemas.openxmlformats.org/drawingml/2006/main" xmlns:r="http://schemas.openxmlformats.org/officeDocument/2006/relationships" xmlns:p="http://schemas.openxmlformats.org/presentationml/2006/main">
   <p:cSld>
     <p:spTree>
@@ -16569,8 +17446,8 @@
         </p:nvSpPr>
         <p:spPr>
           <a:xfrm>
-            <a:off x="498765" y="1600200"/>
-            <a:ext cx="11222182" cy="4525963"/>
+            <a:off x="457200" y="1600200"/>
+            <a:ext cx="8229600" cy="4525963"/>
           </a:xfrm>
           <a:prstGeom prst="rect">
             <a:avLst/>
@@ -16748,20 +17625,107 @@
               <a:buNone/>
             </a:pPr>
             <a:r>
+              <a:rPr lang="en-US" altLang="ko-KR" dirty="0"/>
+              <a:t>1.Select</a:t>
+            </a:r>
+          </a:p>
+          <a:p>
+            <a:pPr marL="0" indent="0">
+              <a:buNone/>
+            </a:pPr>
+            <a:r>
+              <a:rPr lang="en-US" altLang="ko-KR" sz="2400" dirty="0"/>
+              <a:t>  </a:t>
+            </a:r>
+            <a:r>
+              <a:rPr lang="en-US" altLang="ko-KR" sz="2400" dirty="0" smtClean="0"/>
+              <a:t>7) </a:t>
+            </a:r>
+            <a:r>
+              <a:rPr lang="en-US" altLang="ko-KR" sz="2400" dirty="0" smtClean="0"/>
+              <a:t>in</a:t>
+            </a:r>
+            <a:r>
+              <a:rPr lang="en-US" altLang="ko-KR" sz="2400" dirty="0" smtClean="0"/>
+              <a:t> </a:t>
+            </a:r>
+            <a:r>
               <a:rPr lang="ko-KR" altLang="en-US" sz="2400" dirty="0"/>
-              <a:t>실습 </a:t>
-            </a:r>
+              <a:t>조건 </a:t>
+            </a:r>
+            <a:r>
+              <a:rPr lang="ko-KR" altLang="en-US" sz="2400" dirty="0" smtClean="0"/>
+              <a:t>조회</a:t>
+            </a:r>
+            <a:endParaRPr lang="en-US" altLang="ko-KR" sz="2400" dirty="0" smtClean="0"/>
+          </a:p>
+          <a:p>
+            <a:pPr marL="0" indent="0">
+              <a:buNone/>
+            </a:pPr>
             <a:r>
               <a:rPr lang="en-US" altLang="ko-KR" sz="2400" dirty="0"/>
-              <a:t>1. </a:t>
-            </a:r>
-            <a:r>
-              <a:rPr lang="ko-KR" altLang="en-US" sz="2400" dirty="0"/>
-              <a:t>고객관리대장 테이블의 </a:t>
+              <a:t> </a:t>
+            </a:r>
+            <a:r>
+              <a:rPr lang="en-US" altLang="ko-KR" sz="2400" dirty="0" smtClean="0"/>
+              <a:t>   - OR </a:t>
+            </a:r>
+            <a:r>
+              <a:rPr lang="ko-KR" altLang="en-US" sz="2400" dirty="0" smtClean="0"/>
+              <a:t>조건과 동일하게 동작</a:t>
+            </a:r>
+            <a:endParaRPr lang="en-US" altLang="ko-KR" sz="2400" dirty="0"/>
+          </a:p>
+          <a:p>
+            <a:pPr marL="0" indent="0">
+              <a:buFont typeface="Arial" panose="020B0604020202020204" pitchFamily="34" charset="0"/>
+              <a:buNone/>
+            </a:pPr>
+            <a:r>
+              <a:rPr lang="en-US" altLang="ko-KR" sz="2400" dirty="0"/>
+              <a:t>     Select </a:t>
             </a:r>
             <a:r>
               <a:rPr lang="ko-KR" altLang="en-US" sz="2400" dirty="0" err="1"/>
-              <a:t>고객등급에</a:t>
+              <a:t>컬럼명</a:t>
+            </a:r>
+            <a:r>
+              <a:rPr lang="en-US" altLang="ko-KR" sz="2400" dirty="0"/>
+              <a:t>, </a:t>
+            </a:r>
+            <a:r>
+              <a:rPr lang="ko-KR" altLang="en-US" sz="2400" dirty="0" err="1"/>
+              <a:t>컬럼명</a:t>
+            </a:r>
+            <a:r>
+              <a:rPr lang="en-US" altLang="ko-KR" sz="2400" dirty="0"/>
+              <a:t>…</a:t>
+            </a:r>
+          </a:p>
+          <a:p>
+            <a:pPr marL="0" indent="0">
+              <a:buFont typeface="Arial" panose="020B0604020202020204" pitchFamily="34" charset="0"/>
+              <a:buNone/>
+            </a:pPr>
+            <a:r>
+              <a:rPr lang="en-US" altLang="ko-KR" sz="2400" dirty="0"/>
+              <a:t>       from </a:t>
+            </a:r>
+            <a:r>
+              <a:rPr lang="ko-KR" altLang="en-US" sz="2400" dirty="0" err="1"/>
+              <a:t>테이블명</a:t>
+            </a:r>
+            <a:endParaRPr lang="en-US" altLang="ko-KR" sz="2400" dirty="0"/>
+          </a:p>
+          <a:p>
+            <a:pPr marL="0" indent="0">
+              <a:buFont typeface="Arial" panose="020B0604020202020204" pitchFamily="34" charset="0"/>
+              <a:buNone/>
+            </a:pPr>
+            <a:r>
+              <a:rPr lang="en-US" altLang="ko-KR" sz="2400" dirty="0"/>
+              <a:t>   </a:t>
             </a:r>
             <a:r>
               <a:rPr lang="ko-KR" altLang="en-US" sz="2400" dirty="0"/>
@@ -16769,190 +17733,60 @@
             </a:r>
             <a:r>
               <a:rPr lang="en-US" altLang="ko-KR" sz="2400" dirty="0"/>
-              <a:t>VIP</a:t>
-            </a:r>
-            <a:r>
-              <a:rPr lang="ko-KR" altLang="en-US" sz="2400" dirty="0"/>
-              <a:t>인 사람의 이름과 등급을 모두 출력 하시오</a:t>
-            </a:r>
-            <a:r>
-              <a:rPr lang="en-US" altLang="ko-KR" sz="2400" dirty="0"/>
-              <a:t>.</a:t>
-            </a:r>
-          </a:p>
-          <a:p>
-            <a:pPr marL="0" indent="0">
-              <a:buFont typeface="Arial" panose="020B0604020202020204" pitchFamily="34" charset="0"/>
-              <a:buNone/>
-            </a:pPr>
-            <a:endParaRPr lang="en-US" altLang="ko-KR" sz="2400" dirty="0"/>
-          </a:p>
-          <a:p>
-            <a:pPr marL="0" indent="0">
-              <a:buFont typeface="Arial" panose="020B0604020202020204" pitchFamily="34" charset="0"/>
-              <a:buNone/>
-            </a:pPr>
-            <a:r>
-              <a:rPr lang="ko-KR" altLang="en-US" sz="2400" dirty="0"/>
-              <a:t>실습 </a:t>
-            </a:r>
-            <a:r>
-              <a:rPr lang="en-US" altLang="ko-KR" sz="2400" dirty="0"/>
-              <a:t>2. </a:t>
-            </a:r>
-            <a:r>
-              <a:rPr lang="ko-KR" altLang="en-US" sz="2400" dirty="0"/>
-              <a:t>고객관리대장 테이블의 연락처에 </a:t>
-            </a:r>
-            <a:r>
-              <a:rPr lang="en-US" altLang="ko-KR" sz="2400" dirty="0"/>
-              <a:t>11</a:t>
-            </a:r>
-            <a:r>
-              <a:rPr lang="ko-KR" altLang="en-US" sz="2400" dirty="0"/>
-              <a:t>이 포함된 사람의 이름과</a:t>
-            </a:r>
-            <a:r>
-              <a:rPr lang="en-US" altLang="ko-KR" sz="2400" dirty="0"/>
-              <a:t> </a:t>
-            </a:r>
-            <a:r>
-              <a:rPr lang="ko-KR" altLang="en-US" sz="2400" dirty="0"/>
-              <a:t>연락처를 모두 출력 하시오</a:t>
-            </a:r>
-            <a:endParaRPr lang="en-US" altLang="ko-KR" sz="2400" dirty="0"/>
-          </a:p>
-          <a:p>
-            <a:pPr marL="0" indent="0">
-              <a:buFont typeface="Arial" panose="020B0604020202020204" pitchFamily="34" charset="0"/>
-              <a:buNone/>
-            </a:pPr>
-            <a:endParaRPr lang="en-US" altLang="ko-KR" sz="2400" dirty="0"/>
-          </a:p>
-          <a:p>
-            <a:pPr marL="0" indent="0">
-              <a:buFont typeface="Arial" panose="020B0604020202020204" pitchFamily="34" charset="0"/>
-              <a:buNone/>
-            </a:pPr>
-            <a:r>
-              <a:rPr lang="ko-KR" altLang="en-US" sz="2400" dirty="0"/>
-              <a:t>실습 </a:t>
-            </a:r>
-            <a:r>
-              <a:rPr lang="en-US" altLang="ko-KR" sz="2400" dirty="0"/>
-              <a:t>3. </a:t>
-            </a:r>
-            <a:r>
-              <a:rPr lang="ko-KR" altLang="en-US" sz="2400" dirty="0"/>
-              <a:t>우편번호가 </a:t>
-            </a:r>
-            <a:r>
-              <a:rPr lang="en-US" altLang="ko-KR" sz="2400" dirty="0"/>
-              <a:t>8</a:t>
-            </a:r>
-            <a:r>
-              <a:rPr lang="ko-KR" altLang="en-US" sz="2400" dirty="0"/>
-              <a:t>로 시작하는 사람들의 고객관리번호</a:t>
-            </a:r>
-            <a:r>
-              <a:rPr lang="en-US" altLang="ko-KR" sz="2400" dirty="0"/>
-              <a:t>, </a:t>
+              <a:t>Where </a:t>
             </a:r>
             <a:r>
               <a:rPr lang="ko-KR" altLang="en-US" sz="2400" dirty="0" err="1"/>
-              <a:t>고객이름</a:t>
-            </a:r>
-            <a:r>
-              <a:rPr lang="en-US" altLang="ko-KR" sz="2400" dirty="0"/>
-              <a:t>, </a:t>
-            </a:r>
-            <a:r>
-              <a:rPr lang="ko-KR" altLang="en-US" sz="2400" dirty="0"/>
-              <a:t>우편번호</a:t>
-            </a:r>
-            <a:r>
-              <a:rPr lang="en-US" altLang="ko-KR" sz="2400" dirty="0"/>
-              <a:t>, </a:t>
-            </a:r>
-            <a:r>
-              <a:rPr lang="ko-KR" altLang="en-US" sz="2400" dirty="0"/>
-              <a:t>나이를 출력 하시오</a:t>
-            </a:r>
-            <a:endParaRPr lang="en-US" altLang="ko-KR" sz="2400" dirty="0"/>
-          </a:p>
-          <a:p>
-            <a:pPr marL="0" indent="0">
-              <a:buFont typeface="Arial" panose="020B0604020202020204" pitchFamily="34" charset="0"/>
-              <a:buNone/>
-            </a:pPr>
-            <a:endParaRPr lang="en-US" altLang="ko-KR" sz="2400" dirty="0"/>
-          </a:p>
-          <a:p>
-            <a:pPr marL="0" indent="0">
-              <a:buFont typeface="Arial" panose="020B0604020202020204" pitchFamily="34" charset="0"/>
-              <a:buNone/>
-            </a:pPr>
-            <a:r>
-              <a:rPr lang="ko-KR" altLang="en-US" sz="2400" dirty="0"/>
-              <a:t>실습 </a:t>
-            </a:r>
-            <a:r>
-              <a:rPr lang="en-US" altLang="ko-KR" sz="2400" dirty="0"/>
-              <a:t>4. </a:t>
-            </a:r>
-            <a:r>
-              <a:rPr lang="ko-KR" altLang="en-US" sz="2400" dirty="0"/>
-              <a:t>나이가 </a:t>
-            </a:r>
-            <a:r>
-              <a:rPr lang="en-US" altLang="ko-KR" sz="2400" dirty="0"/>
-              <a:t>30</a:t>
-            </a:r>
-            <a:r>
-              <a:rPr lang="ko-KR" altLang="en-US" sz="2400" dirty="0"/>
-              <a:t>세 미만의 </a:t>
-            </a:r>
-            <a:r>
-              <a:rPr lang="ko-KR" altLang="en-US" sz="2400" dirty="0" err="1"/>
-              <a:t>고객이름과</a:t>
+              <a:t>컬럼명</a:t>
             </a:r>
             <a:r>
               <a:rPr lang="ko-KR" altLang="en-US" sz="2400" dirty="0"/>
               <a:t> </a:t>
             </a:r>
             <a:r>
-              <a:rPr lang="ko-KR" altLang="en-US" sz="2400" dirty="0" err="1"/>
-              <a:t>고객등급</a:t>
-            </a:r>
-            <a:r>
-              <a:rPr lang="en-US" altLang="ko-KR" sz="2400" dirty="0"/>
-              <a:t>, </a:t>
-            </a:r>
-            <a:r>
-              <a:rPr lang="ko-KR" altLang="en-US" sz="2400" dirty="0"/>
-              <a:t>나이를 모두 출력 하시오</a:t>
-            </a:r>
-            <a:r>
-              <a:rPr lang="en-US" altLang="ko-KR" sz="2400" dirty="0"/>
-              <a:t>.</a:t>
-            </a:r>
-          </a:p>
-          <a:p>
-            <a:pPr marL="0" indent="0">
-              <a:buFont typeface="Arial" panose="020B0604020202020204" pitchFamily="34" charset="0"/>
-              <a:buNone/>
-            </a:pPr>
-            <a:r>
-              <a:rPr lang="en-US" altLang="ko-KR" sz="2400" dirty="0"/>
-              <a:t> </a:t>
-            </a:r>
+              <a:rPr lang="en-US" altLang="ko-KR" sz="2400" dirty="0" smtClean="0"/>
+              <a:t>in(</a:t>
+            </a:r>
+            <a:r>
+              <a:rPr lang="en-US" altLang="ko-KR" sz="2400" dirty="0" err="1" smtClean="0"/>
+              <a:t>a,b,c</a:t>
+            </a:r>
+            <a:r>
+              <a:rPr lang="en-US" altLang="ko-KR" sz="2400" dirty="0" smtClean="0"/>
+              <a:t>,…);</a:t>
+            </a:r>
+            <a:endParaRPr lang="en-US" altLang="ko-KR" sz="2400" dirty="0"/>
           </a:p>
         </p:txBody>
       </p:sp>
+      <p:pic>
+        <p:nvPicPr>
+          <p:cNvPr id="2" name="그림 1"/>
+          <p:cNvPicPr>
+            <a:picLocks noChangeAspect="1"/>
+          </p:cNvPicPr>
+          <p:nvPr/>
+        </p:nvPicPr>
+        <p:blipFill>
+          <a:blip r:embed="rId2"/>
+          <a:stretch>
+            <a:fillRect/>
+          </a:stretch>
+        </p:blipFill>
+        <p:spPr>
+          <a:xfrm>
+            <a:off x="6761857" y="1460352"/>
+            <a:ext cx="2857899" cy="5001323"/>
+          </a:xfrm>
+          <a:prstGeom prst="rect">
+            <a:avLst/>
+          </a:prstGeom>
+        </p:spPr>
+      </p:pic>
     </p:spTree>
     <p:extLst>
       <p:ext uri="{BB962C8B-B14F-4D97-AF65-F5344CB8AC3E}">
-        <p14:creationId xmlns:p14="http://schemas.microsoft.com/office/powerpoint/2010/main" val="1679877727"/>
+        <p14:creationId xmlns:p14="http://schemas.microsoft.com/office/powerpoint/2010/main" val="203069632"/>
       </p:ext>
     </p:extLst>
   </p:cSld>
